--- a/modules/MgmntClosures/PPT.pptx
+++ b/modules/MgmntClosures/PPT.pptx
@@ -5,10 +5,10 @@
     <p:sldMasterId id="2147483648" r:id="rId1"/>
   </p:sldMasterIdLst>
   <p:notesMasterIdLst>
-    <p:notesMasterId r:id="rId21"/>
+    <p:notesMasterId r:id="rId22"/>
   </p:notesMasterIdLst>
   <p:handoutMasterIdLst>
-    <p:handoutMasterId r:id="rId22"/>
+    <p:handoutMasterId r:id="rId23"/>
   </p:handoutMasterIdLst>
   <p:sldIdLst>
     <p:sldId id="256" r:id="rId2"/>
@@ -17,19 +17,20 @@
     <p:sldId id="312" r:id="rId5"/>
     <p:sldId id="325" r:id="rId6"/>
     <p:sldId id="326" r:id="rId7"/>
-    <p:sldId id="313" r:id="rId8"/>
-    <p:sldId id="314" r:id="rId9"/>
-    <p:sldId id="315" r:id="rId10"/>
-    <p:sldId id="320" r:id="rId11"/>
-    <p:sldId id="321" r:id="rId12"/>
-    <p:sldId id="322" r:id="rId13"/>
-    <p:sldId id="323" r:id="rId14"/>
-    <p:sldId id="324" r:id="rId15"/>
-    <p:sldId id="316" r:id="rId16"/>
-    <p:sldId id="319" r:id="rId17"/>
-    <p:sldId id="317" r:id="rId18"/>
-    <p:sldId id="318" r:id="rId19"/>
-    <p:sldId id="327" r:id="rId20"/>
+    <p:sldId id="328" r:id="rId8"/>
+    <p:sldId id="313" r:id="rId9"/>
+    <p:sldId id="314" r:id="rId10"/>
+    <p:sldId id="315" r:id="rId11"/>
+    <p:sldId id="320" r:id="rId12"/>
+    <p:sldId id="321" r:id="rId13"/>
+    <p:sldId id="322" r:id="rId14"/>
+    <p:sldId id="323" r:id="rId15"/>
+    <p:sldId id="324" r:id="rId16"/>
+    <p:sldId id="316" r:id="rId17"/>
+    <p:sldId id="319" r:id="rId18"/>
+    <p:sldId id="317" r:id="rId19"/>
+    <p:sldId id="318" r:id="rId20"/>
+    <p:sldId id="327" r:id="rId21"/>
   </p:sldIdLst>
   <p:sldSz cx="9144000" cy="6858000" type="screen4x3"/>
   <p:notesSz cx="6858000" cy="9190038"/>
@@ -870,48 +871,6 @@
           <a:bodyPr/>
           <a:lstStyle/>
           <a:p>
-            <a:r>
-              <a:rPr lang="en-US" i="1" dirty="0" smtClean="0"/>
-              <a:t>IUCN</a:t>
-            </a:r>
-            <a:r>
-              <a:rPr lang="en-US" i="0" baseline="0" dirty="0" smtClean="0"/>
-              <a:t> --</a:t>
-            </a:r>
-            <a:r>
-              <a:rPr lang="en-US" dirty="0" smtClean="0"/>
-              <a:t>the </a:t>
-            </a:r>
-            <a:r>
-              <a:rPr lang="en-US" i="1" dirty="0" smtClean="0"/>
-              <a:t>International Union for Conservation of Nature</a:t>
-            </a:r>
-          </a:p>
-          <a:p>
-            <a:r>
-              <a:rPr lang="en-US" i="1" dirty="0" smtClean="0"/>
-              <a:t>Ecosystem services </a:t>
-            </a:r>
-            <a:r>
-              <a:rPr lang="en-US" i="1" smtClean="0"/>
-              <a:t>– provisioning (“products”roduction of </a:t>
-            </a:r>
-            <a:r>
-              <a:rPr lang="en-US" i="1" dirty="0" smtClean="0"/>
-              <a:t>food and water), </a:t>
-            </a:r>
-            <a:r>
-              <a:rPr lang="en-US" i="1" smtClean="0"/>
-              <a:t>regulating (control of climate and disease), supporting (nutrient</a:t>
-            </a:r>
-            <a:r>
-              <a:rPr lang="en-US" i="1" baseline="0" smtClean="0"/>
-              <a:t> cycles and crop pollination), cultural </a:t>
-            </a:r>
-            <a:r>
-              <a:rPr lang="en-US" i="1" baseline="0" dirty="0" smtClean="0"/>
-              <a:t>(spiritual and recreational benefits)</a:t>
-            </a:r>
             <a:endParaRPr lang="en-US" dirty="0"/>
           </a:p>
         </p:txBody>
@@ -1208,6 +1167,20 @@
           <a:bodyPr/>
           <a:lstStyle/>
           <a:p>
+            <a:r>
+              <a:rPr lang="en-US" dirty="0" smtClean="0"/>
+              <a:t>Green – terrestrial</a:t>
+            </a:r>
+          </a:p>
+          <a:p>
+            <a:r>
+              <a:rPr lang="en-US" dirty="0" smtClean="0"/>
+              <a:t>Blue</a:t>
+            </a:r>
+            <a:r>
+              <a:rPr lang="en-US" baseline="0" dirty="0" smtClean="0"/>
+              <a:t> -- aquatic</a:t>
+            </a:r>
             <a:endParaRPr lang="en-US" dirty="0"/>
           </a:p>
         </p:txBody>
@@ -1395,9 +1368,11 @@
           <a:lstStyle/>
           <a:p>
             <a:r>
-              <a:rPr lang="en-US" dirty="0" smtClean="0"/>
-              <a:t>100% is same as fished area (i.e., non-MPA)</a:t>
-            </a:r>
+              <a:rPr lang="en-US" smtClean="0"/>
+              <a:t>From http://cfooduw.org/richard-branson-calls-for-more-marine-protected-areas/</a:t>
+            </a:r>
+          </a:p>
+          <a:p>
             <a:endParaRPr lang="en-US" dirty="0"/>
           </a:p>
         </p:txBody>
@@ -1420,7 +1395,185 @@
             <a:fld id="{FADDF222-3E90-4889-96E4-710F9B0B9833}" type="slidenum">
               <a:rPr lang="en-US" smtClean="0"/>
               <a:pPr/>
-              <a:t>10</a:t>
+              <a:t>7</a:t>
+            </a:fld>
+            <a:endParaRPr lang="en-US"/>
+          </a:p>
+        </p:txBody>
+      </p:sp>
+    </p:spTree>
+    <p:extLst>
+      <p:ext uri="{BB962C8B-B14F-4D97-AF65-F5344CB8AC3E}">
+        <p14:creationId xmlns:p14="http://schemas.microsoft.com/office/powerpoint/2010/main" val="3454577617"/>
+      </p:ext>
+    </p:extLst>
+  </p:cSld>
+  <p:clrMapOvr>
+    <a:masterClrMapping/>
+  </p:clrMapOvr>
+</p:notes>
+</file>
+
+<file path=ppt/notesSlides/notesSlide7.xml><?xml version="1.0" encoding="utf-8"?>
+<p:notes xmlns:a="http://schemas.openxmlformats.org/drawingml/2006/main" xmlns:r="http://schemas.openxmlformats.org/officeDocument/2006/relationships" xmlns:p="http://schemas.openxmlformats.org/presentationml/2006/main">
+  <p:cSld>
+    <p:spTree>
+      <p:nvGrpSpPr>
+        <p:cNvPr id="1" name=""/>
+        <p:cNvGrpSpPr/>
+        <p:nvPr/>
+      </p:nvGrpSpPr>
+      <p:grpSpPr>
+        <a:xfrm>
+          <a:off x="0" y="0"/>
+          <a:ext cx="0" cy="0"/>
+          <a:chOff x="0" y="0"/>
+          <a:chExt cx="0" cy="0"/>
+        </a:xfrm>
+      </p:grpSpPr>
+      <p:sp>
+        <p:nvSpPr>
+          <p:cNvPr id="2" name="Slide Image Placeholder 1"/>
+          <p:cNvSpPr>
+            <a:spLocks noGrp="1" noRot="1" noChangeAspect="1"/>
+          </p:cNvSpPr>
+          <p:nvPr>
+            <p:ph type="sldImg"/>
+          </p:nvPr>
+        </p:nvSpPr>
+        <p:spPr/>
+      </p:sp>
+      <p:sp>
+        <p:nvSpPr>
+          <p:cNvPr id="3" name="Notes Placeholder 2"/>
+          <p:cNvSpPr>
+            <a:spLocks noGrp="1"/>
+          </p:cNvSpPr>
+          <p:nvPr>
+            <p:ph type="body" idx="1"/>
+          </p:nvPr>
+        </p:nvSpPr>
+        <p:spPr/>
+        <p:txBody>
+          <a:bodyPr/>
+          <a:lstStyle/>
+          <a:p>
+            <a:r>
+              <a:rPr lang="en-US" dirty="0" smtClean="0"/>
+              <a:t>PNG – end 10:30</a:t>
+            </a:r>
+            <a:endParaRPr lang="en-US" dirty="0"/>
+          </a:p>
+        </p:txBody>
+      </p:sp>
+      <p:sp>
+        <p:nvSpPr>
+          <p:cNvPr id="4" name="Slide Number Placeholder 3"/>
+          <p:cNvSpPr>
+            <a:spLocks noGrp="1"/>
+          </p:cNvSpPr>
+          <p:nvPr>
+            <p:ph type="sldNum" sz="quarter" idx="10"/>
+          </p:nvPr>
+        </p:nvSpPr>
+        <p:spPr/>
+        <p:txBody>
+          <a:bodyPr/>
+          <a:lstStyle/>
+          <a:p>
+            <a:fld id="{FADDF222-3E90-4889-96E4-710F9B0B9833}" type="slidenum">
+              <a:rPr lang="en-US" smtClean="0"/>
+              <a:pPr/>
+              <a:t>9</a:t>
+            </a:fld>
+            <a:endParaRPr lang="en-US"/>
+          </a:p>
+        </p:txBody>
+      </p:sp>
+    </p:spTree>
+    <p:extLst>
+      <p:ext uri="{BB962C8B-B14F-4D97-AF65-F5344CB8AC3E}">
+        <p14:creationId xmlns:p14="http://schemas.microsoft.com/office/powerpoint/2010/main" val="1327637890"/>
+      </p:ext>
+    </p:extLst>
+  </p:cSld>
+  <p:clrMapOvr>
+    <a:masterClrMapping/>
+  </p:clrMapOvr>
+</p:notes>
+</file>
+
+<file path=ppt/notesSlides/notesSlide8.xml><?xml version="1.0" encoding="utf-8"?>
+<p:notes xmlns:a="http://schemas.openxmlformats.org/drawingml/2006/main" xmlns:r="http://schemas.openxmlformats.org/officeDocument/2006/relationships" xmlns:p="http://schemas.openxmlformats.org/presentationml/2006/main">
+  <p:cSld>
+    <p:spTree>
+      <p:nvGrpSpPr>
+        <p:cNvPr id="1" name=""/>
+        <p:cNvGrpSpPr/>
+        <p:nvPr/>
+      </p:nvGrpSpPr>
+      <p:grpSpPr>
+        <a:xfrm>
+          <a:off x="0" y="0"/>
+          <a:ext cx="0" cy="0"/>
+          <a:chOff x="0" y="0"/>
+          <a:chExt cx="0" cy="0"/>
+        </a:xfrm>
+      </p:grpSpPr>
+      <p:sp>
+        <p:nvSpPr>
+          <p:cNvPr id="2" name="Slide Image Placeholder 1"/>
+          <p:cNvSpPr>
+            <a:spLocks noGrp="1" noRot="1" noChangeAspect="1"/>
+          </p:cNvSpPr>
+          <p:nvPr>
+            <p:ph type="sldImg"/>
+          </p:nvPr>
+        </p:nvSpPr>
+        <p:spPr/>
+      </p:sp>
+      <p:sp>
+        <p:nvSpPr>
+          <p:cNvPr id="3" name="Notes Placeholder 2"/>
+          <p:cNvSpPr>
+            <a:spLocks noGrp="1"/>
+          </p:cNvSpPr>
+          <p:nvPr>
+            <p:ph type="body" idx="1"/>
+          </p:nvPr>
+        </p:nvSpPr>
+        <p:spPr/>
+        <p:txBody>
+          <a:bodyPr/>
+          <a:lstStyle/>
+          <a:p>
+            <a:r>
+              <a:rPr lang="en-US" dirty="0" smtClean="0"/>
+              <a:t>100% is same as fished area (i.e., non-MPA)</a:t>
+            </a:r>
+            <a:endParaRPr lang="en-US" dirty="0"/>
+          </a:p>
+        </p:txBody>
+      </p:sp>
+      <p:sp>
+        <p:nvSpPr>
+          <p:cNvPr id="4" name="Slide Number Placeholder 3"/>
+          <p:cNvSpPr>
+            <a:spLocks noGrp="1"/>
+          </p:cNvSpPr>
+          <p:nvPr>
+            <p:ph type="sldNum" sz="quarter" idx="10"/>
+          </p:nvPr>
+        </p:nvSpPr>
+        <p:spPr/>
+        <p:txBody>
+          <a:bodyPr/>
+          <a:lstStyle/>
+          <a:p>
+            <a:fld id="{FADDF222-3E90-4889-96E4-710F9B0B9833}" type="slidenum">
+              <a:rPr lang="en-US" smtClean="0"/>
+              <a:pPr/>
+              <a:t>11</a:t>
             </a:fld>
             <a:endParaRPr lang="en-US"/>
           </a:p>
@@ -4319,11 +4472,7 @@
           <a:p>
             <a:r>
               <a:rPr lang="en-US" dirty="0" smtClean="0"/>
-              <a:t>Closure</a:t>
-            </a:r>
-            <a:r>
-              <a:rPr lang="en-US" dirty="0" smtClean="0"/>
-              <a:t>s</a:t>
+              <a:t>Closures</a:t>
             </a:r>
             <a:endParaRPr lang="en-US" sz="3600" dirty="0"/>
           </a:p>
@@ -4371,6 +4520,586 @@
             <p:ph type="title"/>
           </p:nvPr>
         </p:nvSpPr>
+        <p:spPr/>
+        <p:txBody>
+          <a:bodyPr/>
+          <a:lstStyle/>
+          <a:p>
+            <a:r>
+              <a:rPr lang="en-US" dirty="0" smtClean="0"/>
+              <a:t>MPA – Needs for Success</a:t>
+            </a:r>
+            <a:endParaRPr lang="en-US" dirty="0"/>
+          </a:p>
+        </p:txBody>
+      </p:sp>
+      <p:sp>
+        <p:nvSpPr>
+          <p:cNvPr id="3" name="Content Placeholder 2"/>
+          <p:cNvSpPr>
+            <a:spLocks noGrp="1"/>
+          </p:cNvSpPr>
+          <p:nvPr>
+            <p:ph idx="1"/>
+          </p:nvPr>
+        </p:nvSpPr>
+        <p:spPr>
+          <a:xfrm>
+            <a:off x="65089" y="1377315"/>
+            <a:ext cx="9012236" cy="3581400"/>
+          </a:xfrm>
+        </p:spPr>
+        <p:txBody>
+          <a:bodyPr/>
+          <a:lstStyle/>
+          <a:p>
+            <a:pPr marL="514350" indent="-514350">
+              <a:buFont typeface="+mj-lt"/>
+              <a:buAutoNum type="arabicPeriod"/>
+            </a:pPr>
+            <a:r>
+              <a:rPr lang="en-US" dirty="0" smtClean="0"/>
+              <a:t>“</a:t>
+            </a:r>
+            <a:r>
+              <a:rPr lang="en-US" b="1" dirty="0" smtClean="0">
+                <a:solidFill>
+                  <a:srgbClr val="FF0000"/>
+                </a:solidFill>
+              </a:rPr>
+              <a:t>N</a:t>
+            </a:r>
+            <a:r>
+              <a:rPr lang="en-US" b="1" dirty="0" smtClean="0"/>
+              <a:t>o Take</a:t>
+            </a:r>
+            <a:r>
+              <a:rPr lang="en-US" dirty="0" smtClean="0"/>
+              <a:t>” – </a:t>
+            </a:r>
+            <a:r>
+              <a:rPr lang="en-US" i="1" dirty="0" smtClean="0"/>
+              <a:t>low fishing mortality</a:t>
+            </a:r>
+          </a:p>
+          <a:p>
+            <a:pPr marL="514350" indent="-514350">
+              <a:buFont typeface="+mj-lt"/>
+              <a:buAutoNum type="arabicPeriod"/>
+            </a:pPr>
+            <a:r>
+              <a:rPr lang="en-US" dirty="0" smtClean="0"/>
+              <a:t>“</a:t>
+            </a:r>
+            <a:r>
+              <a:rPr lang="en-US" b="1" dirty="0" smtClean="0"/>
+              <a:t>Strong </a:t>
+            </a:r>
+            <a:r>
+              <a:rPr lang="en-US" b="1" dirty="0" smtClean="0">
+                <a:solidFill>
+                  <a:srgbClr val="FF0000"/>
+                </a:solidFill>
+              </a:rPr>
+              <a:t>E</a:t>
+            </a:r>
+            <a:r>
+              <a:rPr lang="en-US" b="1" dirty="0" smtClean="0"/>
+              <a:t>nforcement</a:t>
+            </a:r>
+            <a:r>
+              <a:rPr lang="en-US" dirty="0" smtClean="0"/>
+              <a:t>”</a:t>
+            </a:r>
+          </a:p>
+          <a:p>
+            <a:pPr marL="514350" indent="-514350">
+              <a:buFont typeface="+mj-lt"/>
+              <a:buAutoNum type="arabicPeriod"/>
+            </a:pPr>
+            <a:r>
+              <a:rPr lang="en-US" dirty="0" smtClean="0"/>
+              <a:t>“</a:t>
+            </a:r>
+            <a:r>
+              <a:rPr lang="en-US" b="1" dirty="0" smtClean="0">
+                <a:solidFill>
+                  <a:srgbClr val="FF0000"/>
+                </a:solidFill>
+              </a:rPr>
+              <a:t>O</a:t>
+            </a:r>
+            <a:r>
+              <a:rPr lang="en-US" b="1" dirty="0" smtClean="0"/>
+              <a:t>ld Age of MPA</a:t>
+            </a:r>
+            <a:r>
+              <a:rPr lang="en-US" dirty="0" smtClean="0"/>
+              <a:t>”</a:t>
+            </a:r>
+          </a:p>
+          <a:p>
+            <a:pPr marL="514350" indent="-514350">
+              <a:buFont typeface="+mj-lt"/>
+              <a:buAutoNum type="arabicPeriod"/>
+            </a:pPr>
+            <a:r>
+              <a:rPr lang="en-US" dirty="0" smtClean="0"/>
+              <a:t>“</a:t>
+            </a:r>
+            <a:r>
+              <a:rPr lang="en-US" b="1" dirty="0" smtClean="0">
+                <a:solidFill>
+                  <a:srgbClr val="FF0000"/>
+                </a:solidFill>
+              </a:rPr>
+              <a:t>L</a:t>
+            </a:r>
+            <a:r>
+              <a:rPr lang="en-US" b="1" dirty="0" smtClean="0"/>
+              <a:t>arge Size of MPA</a:t>
+            </a:r>
+            <a:r>
+              <a:rPr lang="en-US" dirty="0" smtClean="0"/>
+              <a:t>”</a:t>
+            </a:r>
+          </a:p>
+          <a:p>
+            <a:pPr marL="514350" indent="-514350">
+              <a:buFont typeface="+mj-lt"/>
+              <a:buAutoNum type="arabicPeriod"/>
+            </a:pPr>
+            <a:r>
+              <a:rPr lang="en-US" dirty="0" smtClean="0"/>
+              <a:t>“</a:t>
+            </a:r>
+            <a:r>
+              <a:rPr lang="en-US" b="1" dirty="0" smtClean="0">
+                <a:solidFill>
+                  <a:srgbClr val="FF0000"/>
+                </a:solidFill>
+              </a:rPr>
+              <a:t>I</a:t>
+            </a:r>
+            <a:r>
+              <a:rPr lang="en-US" b="1" dirty="0" smtClean="0"/>
+              <a:t>solated Habitat</a:t>
+            </a:r>
+            <a:r>
+              <a:rPr lang="en-US" dirty="0" smtClean="0"/>
+              <a:t>” – </a:t>
+            </a:r>
+            <a:r>
+              <a:rPr lang="en-US" i="1" dirty="0" smtClean="0"/>
+              <a:t>different habitats within the MPA and immediately surrounding areas</a:t>
+            </a:r>
+            <a:endParaRPr lang="en-US" dirty="0"/>
+          </a:p>
+        </p:txBody>
+      </p:sp>
+      <p:sp>
+        <p:nvSpPr>
+          <p:cNvPr id="4" name="Footer Placeholder 3"/>
+          <p:cNvSpPr>
+            <a:spLocks noGrp="1"/>
+          </p:cNvSpPr>
+          <p:nvPr>
+            <p:ph type="ftr" sz="quarter" idx="10"/>
+          </p:nvPr>
+        </p:nvSpPr>
+        <p:spPr/>
+        <p:txBody>
+          <a:bodyPr/>
+          <a:lstStyle/>
+          <a:p>
+            <a:r>
+              <a:rPr lang="en-US" smtClean="0"/>
+              <a:t>Closures</a:t>
+            </a:r>
+            <a:endParaRPr lang="en-US"/>
+          </a:p>
+        </p:txBody>
+      </p:sp>
+      <p:sp>
+        <p:nvSpPr>
+          <p:cNvPr id="5" name="Slide Number Placeholder 4"/>
+          <p:cNvSpPr>
+            <a:spLocks noGrp="1"/>
+          </p:cNvSpPr>
+          <p:nvPr>
+            <p:ph type="sldNum" sz="quarter" idx="11"/>
+          </p:nvPr>
+        </p:nvSpPr>
+        <p:spPr/>
+        <p:txBody>
+          <a:bodyPr/>
+          <a:lstStyle/>
+          <a:p>
+            <a:fld id="{1885BB51-0796-4632-BDB9-6CE403630838}" type="slidenum">
+              <a:rPr lang="en-US" smtClean="0"/>
+              <a:pPr/>
+              <a:t>10</a:t>
+            </a:fld>
+            <a:endParaRPr lang="en-US"/>
+          </a:p>
+        </p:txBody>
+      </p:sp>
+      <p:sp>
+        <p:nvSpPr>
+          <p:cNvPr id="6" name="TextBox 5"/>
+          <p:cNvSpPr txBox="1"/>
+          <p:nvPr/>
+        </p:nvSpPr>
+        <p:spPr>
+          <a:xfrm>
+            <a:off x="130620" y="5440501"/>
+            <a:ext cx="9051480" cy="646331"/>
+          </a:xfrm>
+          <a:prstGeom prst="rect">
+            <a:avLst/>
+          </a:prstGeom>
+          <a:noFill/>
+        </p:spPr>
+        <p:txBody>
+          <a:bodyPr wrap="square" rtlCol="0">
+            <a:spAutoFit/>
+          </a:bodyPr>
+          <a:lstStyle/>
+          <a:p>
+            <a:r>
+              <a:rPr lang="en-US" sz="1800" b="0" dirty="0" smtClean="0"/>
+              <a:t>According to Edgar </a:t>
+            </a:r>
+            <a:r>
+              <a:rPr lang="en-US" sz="1800" b="0" i="1" dirty="0" smtClean="0"/>
+              <a:t>et al. </a:t>
+            </a:r>
+            <a:r>
+              <a:rPr lang="en-US" sz="1800" b="0" dirty="0" smtClean="0"/>
+              <a:t>2014.  Global conservation outcomes depend on marine protected areas with five key features.  Nature 506:216-220.</a:t>
+            </a:r>
+            <a:endParaRPr lang="en-US" sz="1800" b="0" dirty="0"/>
+          </a:p>
+        </p:txBody>
+      </p:sp>
+    </p:spTree>
+    <p:extLst>
+      <p:ext uri="{BB962C8B-B14F-4D97-AF65-F5344CB8AC3E}">
+        <p14:creationId xmlns:p14="http://schemas.microsoft.com/office/powerpoint/2010/main" val="2248976743"/>
+      </p:ext>
+    </p:extLst>
+  </p:cSld>
+  <p:clrMapOvr>
+    <a:masterClrMapping/>
+  </p:clrMapOvr>
+  <p:timing>
+    <p:tnLst>
+      <p:par>
+        <p:cTn id="1" dur="indefinite" restart="never" nodeType="tmRoot">
+          <p:childTnLst>
+            <p:seq concurrent="1" nextAc="seek">
+              <p:cTn id="2" dur="indefinite" nodeType="mainSeq">
+                <p:childTnLst>
+                  <p:par>
+                    <p:cTn id="3" fill="hold">
+                      <p:stCondLst>
+                        <p:cond delay="indefinite"/>
+                      </p:stCondLst>
+                      <p:childTnLst>
+                        <p:par>
+                          <p:cTn id="4" fill="hold">
+                            <p:stCondLst>
+                              <p:cond delay="0"/>
+                            </p:stCondLst>
+                            <p:childTnLst>
+                              <p:par>
+                                <p:cTn id="5" presetID="1" presetClass="entr" presetSubtype="0" fill="hold" nodeType="clickEffect">
+                                  <p:stCondLst>
+                                    <p:cond delay="0"/>
+                                  </p:stCondLst>
+                                  <p:childTnLst>
+                                    <p:set>
+                                      <p:cBhvr>
+                                        <p:cTn id="6" dur="1" fill="hold">
+                                          <p:stCondLst>
+                                            <p:cond delay="0"/>
+                                          </p:stCondLst>
+                                        </p:cTn>
+                                        <p:tgtEl>
+                                          <p:spTgt spid="3">
+                                            <p:txEl>
+                                              <p:pRg st="0" end="0"/>
+                                            </p:txEl>
+                                          </p:spTgt>
+                                        </p:tgtEl>
+                                        <p:attrNameLst>
+                                          <p:attrName>style.visibility</p:attrName>
+                                        </p:attrNameLst>
+                                      </p:cBhvr>
+                                      <p:to>
+                                        <p:strVal val="visible"/>
+                                      </p:to>
+                                    </p:set>
+                                  </p:childTnLst>
+                                </p:cTn>
+                              </p:par>
+                            </p:childTnLst>
+                          </p:cTn>
+                        </p:par>
+                      </p:childTnLst>
+                    </p:cTn>
+                  </p:par>
+                  <p:par>
+                    <p:cTn id="7" fill="hold">
+                      <p:stCondLst>
+                        <p:cond delay="indefinite"/>
+                      </p:stCondLst>
+                      <p:childTnLst>
+                        <p:par>
+                          <p:cTn id="8" fill="hold">
+                            <p:stCondLst>
+                              <p:cond delay="0"/>
+                            </p:stCondLst>
+                            <p:childTnLst>
+                              <p:par>
+                                <p:cTn id="9" presetID="1" presetClass="entr" presetSubtype="0" fill="hold" grpId="0" nodeType="clickEffect">
+                                  <p:stCondLst>
+                                    <p:cond delay="0"/>
+                                  </p:stCondLst>
+                                  <p:childTnLst>
+                                    <p:set>
+                                      <p:cBhvr>
+                                        <p:cTn id="10" dur="1" fill="hold">
+                                          <p:stCondLst>
+                                            <p:cond delay="0"/>
+                                          </p:stCondLst>
+                                        </p:cTn>
+                                        <p:tgtEl>
+                                          <p:spTgt spid="3">
+                                            <p:txEl>
+                                              <p:pRg st="1" end="1"/>
+                                            </p:txEl>
+                                          </p:spTgt>
+                                        </p:tgtEl>
+                                        <p:attrNameLst>
+                                          <p:attrName>style.visibility</p:attrName>
+                                        </p:attrNameLst>
+                                      </p:cBhvr>
+                                      <p:to>
+                                        <p:strVal val="visible"/>
+                                      </p:to>
+                                    </p:set>
+                                  </p:childTnLst>
+                                </p:cTn>
+                              </p:par>
+                            </p:childTnLst>
+                          </p:cTn>
+                        </p:par>
+                      </p:childTnLst>
+                    </p:cTn>
+                  </p:par>
+                  <p:par>
+                    <p:cTn id="11" fill="hold">
+                      <p:stCondLst>
+                        <p:cond delay="indefinite"/>
+                      </p:stCondLst>
+                      <p:childTnLst>
+                        <p:par>
+                          <p:cTn id="12" fill="hold">
+                            <p:stCondLst>
+                              <p:cond delay="0"/>
+                            </p:stCondLst>
+                            <p:childTnLst>
+                              <p:par>
+                                <p:cTn id="13" presetID="1" presetClass="entr" presetSubtype="0" fill="hold" grpId="0" nodeType="clickEffect">
+                                  <p:stCondLst>
+                                    <p:cond delay="0"/>
+                                  </p:stCondLst>
+                                  <p:childTnLst>
+                                    <p:set>
+                                      <p:cBhvr>
+                                        <p:cTn id="14" dur="1" fill="hold">
+                                          <p:stCondLst>
+                                            <p:cond delay="0"/>
+                                          </p:stCondLst>
+                                        </p:cTn>
+                                        <p:tgtEl>
+                                          <p:spTgt spid="3">
+                                            <p:txEl>
+                                              <p:pRg st="2" end="2"/>
+                                            </p:txEl>
+                                          </p:spTgt>
+                                        </p:tgtEl>
+                                        <p:attrNameLst>
+                                          <p:attrName>style.visibility</p:attrName>
+                                        </p:attrNameLst>
+                                      </p:cBhvr>
+                                      <p:to>
+                                        <p:strVal val="visible"/>
+                                      </p:to>
+                                    </p:set>
+                                  </p:childTnLst>
+                                </p:cTn>
+                              </p:par>
+                            </p:childTnLst>
+                          </p:cTn>
+                        </p:par>
+                      </p:childTnLst>
+                    </p:cTn>
+                  </p:par>
+                  <p:par>
+                    <p:cTn id="15" fill="hold">
+                      <p:stCondLst>
+                        <p:cond delay="indefinite"/>
+                      </p:stCondLst>
+                      <p:childTnLst>
+                        <p:par>
+                          <p:cTn id="16" fill="hold">
+                            <p:stCondLst>
+                              <p:cond delay="0"/>
+                            </p:stCondLst>
+                            <p:childTnLst>
+                              <p:par>
+                                <p:cTn id="17" presetID="1" presetClass="entr" presetSubtype="0" fill="hold" grpId="0" nodeType="clickEffect">
+                                  <p:stCondLst>
+                                    <p:cond delay="0"/>
+                                  </p:stCondLst>
+                                  <p:childTnLst>
+                                    <p:set>
+                                      <p:cBhvr>
+                                        <p:cTn id="18" dur="1" fill="hold">
+                                          <p:stCondLst>
+                                            <p:cond delay="0"/>
+                                          </p:stCondLst>
+                                        </p:cTn>
+                                        <p:tgtEl>
+                                          <p:spTgt spid="3">
+                                            <p:txEl>
+                                              <p:pRg st="3" end="3"/>
+                                            </p:txEl>
+                                          </p:spTgt>
+                                        </p:tgtEl>
+                                        <p:attrNameLst>
+                                          <p:attrName>style.visibility</p:attrName>
+                                        </p:attrNameLst>
+                                      </p:cBhvr>
+                                      <p:to>
+                                        <p:strVal val="visible"/>
+                                      </p:to>
+                                    </p:set>
+                                  </p:childTnLst>
+                                </p:cTn>
+                              </p:par>
+                            </p:childTnLst>
+                          </p:cTn>
+                        </p:par>
+                      </p:childTnLst>
+                    </p:cTn>
+                  </p:par>
+                  <p:par>
+                    <p:cTn id="19" fill="hold">
+                      <p:stCondLst>
+                        <p:cond delay="indefinite"/>
+                      </p:stCondLst>
+                      <p:childTnLst>
+                        <p:par>
+                          <p:cTn id="20" fill="hold">
+                            <p:stCondLst>
+                              <p:cond delay="0"/>
+                            </p:stCondLst>
+                            <p:childTnLst>
+                              <p:par>
+                                <p:cTn id="21" presetID="1" presetClass="entr" presetSubtype="0" fill="hold" grpId="0" nodeType="clickEffect">
+                                  <p:stCondLst>
+                                    <p:cond delay="0"/>
+                                  </p:stCondLst>
+                                  <p:childTnLst>
+                                    <p:set>
+                                      <p:cBhvr>
+                                        <p:cTn id="22" dur="1" fill="hold">
+                                          <p:stCondLst>
+                                            <p:cond delay="0"/>
+                                          </p:stCondLst>
+                                        </p:cTn>
+                                        <p:tgtEl>
+                                          <p:spTgt spid="3">
+                                            <p:txEl>
+                                              <p:pRg st="4" end="4"/>
+                                            </p:txEl>
+                                          </p:spTgt>
+                                        </p:tgtEl>
+                                        <p:attrNameLst>
+                                          <p:attrName>style.visibility</p:attrName>
+                                        </p:attrNameLst>
+                                      </p:cBhvr>
+                                      <p:to>
+                                        <p:strVal val="visible"/>
+                                      </p:to>
+                                    </p:set>
+                                  </p:childTnLst>
+                                </p:cTn>
+                              </p:par>
+                            </p:childTnLst>
+                          </p:cTn>
+                        </p:par>
+                      </p:childTnLst>
+                    </p:cTn>
+                  </p:par>
+                </p:childTnLst>
+              </p:cTn>
+              <p:prevCondLst>
+                <p:cond evt="onPrev" delay="0">
+                  <p:tgtEl>
+                    <p:sldTgt/>
+                  </p:tgtEl>
+                </p:cond>
+              </p:prevCondLst>
+              <p:nextCondLst>
+                <p:cond evt="onNext" delay="0">
+                  <p:tgtEl>
+                    <p:sldTgt/>
+                  </p:tgtEl>
+                </p:cond>
+              </p:nextCondLst>
+            </p:seq>
+          </p:childTnLst>
+        </p:cTn>
+      </p:par>
+    </p:tnLst>
+    <p:bldLst>
+      <p:bldP spid="3" grpId="0" uiExpand="1" build="p"/>
+    </p:bldLst>
+  </p:timing>
+</p:sld>
+</file>
+
+<file path=ppt/slides/slide11.xml><?xml version="1.0" encoding="utf-8"?>
+<p:sld xmlns:a="http://schemas.openxmlformats.org/drawingml/2006/main" xmlns:r="http://schemas.openxmlformats.org/officeDocument/2006/relationships" xmlns:p="http://schemas.openxmlformats.org/presentationml/2006/main">
+  <p:cSld>
+    <p:spTree>
+      <p:nvGrpSpPr>
+        <p:cNvPr id="1" name=""/>
+        <p:cNvGrpSpPr/>
+        <p:nvPr/>
+      </p:nvGrpSpPr>
+      <p:grpSpPr>
+        <a:xfrm>
+          <a:off x="0" y="0"/>
+          <a:ext cx="0" cy="0"/>
+          <a:chOff x="0" y="0"/>
+          <a:chExt cx="0" cy="0"/>
+        </a:xfrm>
+      </p:grpSpPr>
+      <p:sp>
+        <p:nvSpPr>
+          <p:cNvPr id="2" name="Title 1"/>
+          <p:cNvSpPr>
+            <a:spLocks noGrp="1"/>
+          </p:cNvSpPr>
+          <p:nvPr>
+            <p:ph type="title"/>
+          </p:nvPr>
+        </p:nvSpPr>
         <p:spPr>
           <a:xfrm>
             <a:off x="65088" y="-76200"/>
@@ -4430,7 +5159,7 @@
             <a:fld id="{1885BB51-0796-4632-BDB9-6CE403630838}" type="slidenum">
               <a:rPr lang="en-US" smtClean="0"/>
               <a:pPr/>
-              <a:t>10</a:t>
+              <a:t>11</a:t>
             </a:fld>
             <a:endParaRPr lang="en-US"/>
           </a:p>
@@ -4818,7 +5547,7 @@
 </p:sld>
 </file>
 
-<file path=ppt/slides/slide11.xml><?xml version="1.0" encoding="utf-8"?>
+<file path=ppt/slides/slide12.xml><?xml version="1.0" encoding="utf-8"?>
 <p:sld xmlns:a="http://schemas.openxmlformats.org/drawingml/2006/main" xmlns:r="http://schemas.openxmlformats.org/officeDocument/2006/relationships" xmlns:p="http://schemas.openxmlformats.org/presentationml/2006/main">
   <p:cSld>
     <p:spTree>
@@ -4904,7 +5633,7 @@
             <a:fld id="{1885BB51-0796-4632-BDB9-6CE403630838}" type="slidenum">
               <a:rPr lang="en-US" smtClean="0"/>
               <a:pPr/>
-              <a:t>11</a:t>
+              <a:t>12</a:t>
             </a:fld>
             <a:endParaRPr lang="en-US"/>
           </a:p>
@@ -5158,7 +5887,7 @@
 </p:sld>
 </file>
 
-<file path=ppt/slides/slide12.xml><?xml version="1.0" encoding="utf-8"?>
+<file path=ppt/slides/slide13.xml><?xml version="1.0" encoding="utf-8"?>
 <p:sld xmlns:a="http://schemas.openxmlformats.org/drawingml/2006/main" xmlns:r="http://schemas.openxmlformats.org/officeDocument/2006/relationships" xmlns:p="http://schemas.openxmlformats.org/presentationml/2006/main">
   <p:cSld>
     <p:spTree>
@@ -5244,7 +5973,7 @@
             <a:fld id="{1885BB51-0796-4632-BDB9-6CE403630838}" type="slidenum">
               <a:rPr lang="en-US" smtClean="0"/>
               <a:pPr/>
-              <a:t>12</a:t>
+              <a:t>13</a:t>
             </a:fld>
             <a:endParaRPr lang="en-US"/>
           </a:p>
@@ -5498,7 +6227,7 @@
 </p:sld>
 </file>
 
-<file path=ppt/slides/slide13.xml><?xml version="1.0" encoding="utf-8"?>
+<file path=ppt/slides/slide14.xml><?xml version="1.0" encoding="utf-8"?>
 <p:sld xmlns:a="http://schemas.openxmlformats.org/drawingml/2006/main" xmlns:r="http://schemas.openxmlformats.org/officeDocument/2006/relationships" xmlns:p="http://schemas.openxmlformats.org/presentationml/2006/main">
   <p:cSld>
     <p:spTree>
@@ -5584,7 +6313,7 @@
             <a:fld id="{1885BB51-0796-4632-BDB9-6CE403630838}" type="slidenum">
               <a:rPr lang="en-US" smtClean="0"/>
               <a:pPr/>
-              <a:t>13</a:t>
+              <a:t>14</a:t>
             </a:fld>
             <a:endParaRPr lang="en-US"/>
           </a:p>
@@ -5838,7 +6567,7 @@
 </p:sld>
 </file>
 
-<file path=ppt/slides/slide14.xml><?xml version="1.0" encoding="utf-8"?>
+<file path=ppt/slides/slide15.xml><?xml version="1.0" encoding="utf-8"?>
 <p:sld xmlns:a="http://schemas.openxmlformats.org/drawingml/2006/main" xmlns:r="http://schemas.openxmlformats.org/officeDocument/2006/relationships" xmlns:p="http://schemas.openxmlformats.org/presentationml/2006/main">
   <p:cSld>
     <p:spTree>
@@ -5924,7 +6653,7 @@
             <a:fld id="{1885BB51-0796-4632-BDB9-6CE403630838}" type="slidenum">
               <a:rPr lang="en-US" smtClean="0"/>
               <a:pPr/>
-              <a:t>14</a:t>
+              <a:t>15</a:t>
             </a:fld>
             <a:endParaRPr lang="en-US"/>
           </a:p>
@@ -6178,7 +6907,7 @@
 </p:sld>
 </file>
 
-<file path=ppt/slides/slide15.xml><?xml version="1.0" encoding="utf-8"?>
+<file path=ppt/slides/slide16.xml><?xml version="1.0" encoding="utf-8"?>
 <p:sld xmlns:a="http://schemas.openxmlformats.org/drawingml/2006/main" xmlns:r="http://schemas.openxmlformats.org/officeDocument/2006/relationships" xmlns:p="http://schemas.openxmlformats.org/presentationml/2006/main">
   <p:cSld>
     <p:spTree>
@@ -6264,7 +6993,7 @@
             <a:fld id="{1885BB51-0796-4632-BDB9-6CE403630838}" type="slidenum">
               <a:rPr lang="en-US" smtClean="0"/>
               <a:pPr/>
-              <a:t>15</a:t>
+              <a:t>16</a:t>
             </a:fld>
             <a:endParaRPr lang="en-US"/>
           </a:p>
@@ -6581,7 +7310,7 @@
 </p:sld>
 </file>
 
-<file path=ppt/slides/slide16.xml><?xml version="1.0" encoding="utf-8"?>
+<file path=ppt/slides/slide17.xml><?xml version="1.0" encoding="utf-8"?>
 <p:sld xmlns:a="http://schemas.openxmlformats.org/drawingml/2006/main" xmlns:r="http://schemas.openxmlformats.org/officeDocument/2006/relationships" xmlns:p="http://schemas.openxmlformats.org/presentationml/2006/main">
   <p:cSld>
     <p:spTree>
@@ -6667,7 +7396,7 @@
             <a:fld id="{1885BB51-0796-4632-BDB9-6CE403630838}" type="slidenum">
               <a:rPr lang="en-US" smtClean="0"/>
               <a:pPr/>
-              <a:t>16</a:t>
+              <a:t>17</a:t>
             </a:fld>
             <a:endParaRPr lang="en-US"/>
           </a:p>
@@ -6984,7 +7713,7 @@
 </p:sld>
 </file>
 
-<file path=ppt/slides/slide17.xml><?xml version="1.0" encoding="utf-8"?>
+<file path=ppt/slides/slide18.xml><?xml version="1.0" encoding="utf-8"?>
 <p:sld xmlns:a="http://schemas.openxmlformats.org/drawingml/2006/main" xmlns:r="http://schemas.openxmlformats.org/officeDocument/2006/relationships" xmlns:p="http://schemas.openxmlformats.org/presentationml/2006/main">
   <p:cSld>
     <p:spTree>
@@ -7070,7 +7799,7 @@
             <a:fld id="{1885BB51-0796-4632-BDB9-6CE403630838}" type="slidenum">
               <a:rPr lang="en-US" smtClean="0"/>
               <a:pPr/>
-              <a:t>17</a:t>
+              <a:t>18</a:t>
             </a:fld>
             <a:endParaRPr lang="en-US"/>
           </a:p>
@@ -7387,7 +8116,7 @@
 </p:sld>
 </file>
 
-<file path=ppt/slides/slide18.xml><?xml version="1.0" encoding="utf-8"?>
+<file path=ppt/slides/slide19.xml><?xml version="1.0" encoding="utf-8"?>
 <p:sld xmlns:a="http://schemas.openxmlformats.org/drawingml/2006/main" xmlns:r="http://schemas.openxmlformats.org/officeDocument/2006/relationships" xmlns:p="http://schemas.openxmlformats.org/presentationml/2006/main">
   <p:cSld>
     <p:spTree>
@@ -7473,7 +8202,7 @@
             <a:fld id="{1885BB51-0796-4632-BDB9-6CE403630838}" type="slidenum">
               <a:rPr lang="en-US" smtClean="0"/>
               <a:pPr/>
-              <a:t>18</a:t>
+              <a:t>19</a:t>
             </a:fld>
             <a:endParaRPr lang="en-US"/>
           </a:p>
@@ -7786,329 +8515,6 @@
         <p:cTn id="1" dur="indefinite" restart="never" nodeType="tmRoot"/>
       </p:par>
     </p:tnLst>
-  </p:timing>
-</p:sld>
-</file>
-
-<file path=ppt/slides/slide19.xml><?xml version="1.0" encoding="utf-8"?>
-<p:sld xmlns:a="http://schemas.openxmlformats.org/drawingml/2006/main" xmlns:r="http://schemas.openxmlformats.org/officeDocument/2006/relationships" xmlns:p="http://schemas.openxmlformats.org/presentationml/2006/main">
-  <p:cSld>
-    <p:spTree>
-      <p:nvGrpSpPr>
-        <p:cNvPr id="1" name=""/>
-        <p:cNvGrpSpPr/>
-        <p:nvPr/>
-      </p:nvGrpSpPr>
-      <p:grpSpPr>
-        <a:xfrm>
-          <a:off x="0" y="0"/>
-          <a:ext cx="0" cy="0"/>
-          <a:chOff x="0" y="0"/>
-          <a:chExt cx="0" cy="0"/>
-        </a:xfrm>
-      </p:grpSpPr>
-      <p:sp>
-        <p:nvSpPr>
-          <p:cNvPr id="2" name="Title 1"/>
-          <p:cNvSpPr>
-            <a:spLocks noGrp="1"/>
-          </p:cNvSpPr>
-          <p:nvPr>
-            <p:ph type="title"/>
-          </p:nvPr>
-        </p:nvSpPr>
-        <p:spPr/>
-        <p:txBody>
-          <a:bodyPr/>
-          <a:lstStyle/>
-          <a:p>
-            <a:r>
-              <a:rPr lang="en-US" dirty="0" smtClean="0"/>
-              <a:t>MPA -- Critiques</a:t>
-            </a:r>
-            <a:endParaRPr lang="en-US" dirty="0"/>
-          </a:p>
-        </p:txBody>
-      </p:sp>
-      <p:sp>
-        <p:nvSpPr>
-          <p:cNvPr id="3" name="Content Placeholder 2"/>
-          <p:cNvSpPr>
-            <a:spLocks noGrp="1"/>
-          </p:cNvSpPr>
-          <p:nvPr>
-            <p:ph idx="1"/>
-          </p:nvPr>
-        </p:nvSpPr>
-        <p:spPr/>
-        <p:txBody>
-          <a:bodyPr/>
-          <a:lstStyle/>
-          <a:p>
-            <a:r>
-              <a:rPr lang="en-US" dirty="0" smtClean="0"/>
-              <a:t>Displaced fishers.</a:t>
-            </a:r>
-          </a:p>
-          <a:p>
-            <a:r>
-              <a:rPr lang="en-US" dirty="0" smtClean="0"/>
-              <a:t>Shift fishing pressure to other locations (usually poorer areas).</a:t>
-            </a:r>
-          </a:p>
-          <a:p>
-            <a:r>
-              <a:rPr lang="en-US" dirty="0" smtClean="0"/>
-              <a:t>Attracts fishers (net increase in fishing mortality if enforcement is weak).</a:t>
-            </a:r>
-          </a:p>
-          <a:p>
-            <a:r>
-              <a:rPr lang="en-US" dirty="0" smtClean="0"/>
-              <a:t>High costs (of maintenance and enforcement).</a:t>
-            </a:r>
-          </a:p>
-          <a:p>
-            <a:endParaRPr lang="en-US" dirty="0"/>
-          </a:p>
-        </p:txBody>
-      </p:sp>
-      <p:sp>
-        <p:nvSpPr>
-          <p:cNvPr id="4" name="Footer Placeholder 3"/>
-          <p:cNvSpPr>
-            <a:spLocks noGrp="1"/>
-          </p:cNvSpPr>
-          <p:nvPr>
-            <p:ph type="ftr" sz="quarter" idx="10"/>
-          </p:nvPr>
-        </p:nvSpPr>
-        <p:spPr/>
-        <p:txBody>
-          <a:bodyPr/>
-          <a:lstStyle/>
-          <a:p>
-            <a:r>
-              <a:rPr lang="en-US" smtClean="0"/>
-              <a:t>Closures</a:t>
-            </a:r>
-            <a:endParaRPr lang="en-US"/>
-          </a:p>
-        </p:txBody>
-      </p:sp>
-      <p:sp>
-        <p:nvSpPr>
-          <p:cNvPr id="5" name="Slide Number Placeholder 4"/>
-          <p:cNvSpPr>
-            <a:spLocks noGrp="1"/>
-          </p:cNvSpPr>
-          <p:nvPr>
-            <p:ph type="sldNum" sz="quarter" idx="11"/>
-          </p:nvPr>
-        </p:nvSpPr>
-        <p:spPr/>
-        <p:txBody>
-          <a:bodyPr/>
-          <a:lstStyle/>
-          <a:p>
-            <a:fld id="{1885BB51-0796-4632-BDB9-6CE403630838}" type="slidenum">
-              <a:rPr lang="en-US" smtClean="0"/>
-              <a:pPr/>
-              <a:t>19</a:t>
-            </a:fld>
-            <a:endParaRPr lang="en-US"/>
-          </a:p>
-        </p:txBody>
-      </p:sp>
-    </p:spTree>
-    <p:extLst>
-      <p:ext uri="{BB962C8B-B14F-4D97-AF65-F5344CB8AC3E}">
-        <p14:creationId xmlns:p14="http://schemas.microsoft.com/office/powerpoint/2010/main" val="4286506624"/>
-      </p:ext>
-    </p:extLst>
-  </p:cSld>
-  <p:clrMapOvr>
-    <a:masterClrMapping/>
-  </p:clrMapOvr>
-  <p:timing>
-    <p:tnLst>
-      <p:par>
-        <p:cTn id="1" dur="indefinite" restart="never" nodeType="tmRoot">
-          <p:childTnLst>
-            <p:seq concurrent="1" nextAc="seek">
-              <p:cTn id="2" dur="indefinite" nodeType="mainSeq">
-                <p:childTnLst>
-                  <p:par>
-                    <p:cTn id="3" fill="hold">
-                      <p:stCondLst>
-                        <p:cond delay="indefinite"/>
-                      </p:stCondLst>
-                      <p:childTnLst>
-                        <p:par>
-                          <p:cTn id="4" fill="hold">
-                            <p:stCondLst>
-                              <p:cond delay="0"/>
-                            </p:stCondLst>
-                            <p:childTnLst>
-                              <p:par>
-                                <p:cTn id="5" presetID="1" presetClass="entr" presetSubtype="0" fill="hold" grpId="0" nodeType="clickEffect">
-                                  <p:stCondLst>
-                                    <p:cond delay="0"/>
-                                  </p:stCondLst>
-                                  <p:childTnLst>
-                                    <p:set>
-                                      <p:cBhvr>
-                                        <p:cTn id="6" dur="1" fill="hold">
-                                          <p:stCondLst>
-                                            <p:cond delay="0"/>
-                                          </p:stCondLst>
-                                        </p:cTn>
-                                        <p:tgtEl>
-                                          <p:spTgt spid="3">
-                                            <p:txEl>
-                                              <p:pRg st="1" end="1"/>
-                                            </p:txEl>
-                                          </p:spTgt>
-                                        </p:tgtEl>
-                                        <p:attrNameLst>
-                                          <p:attrName>style.visibility</p:attrName>
-                                        </p:attrNameLst>
-                                      </p:cBhvr>
-                                      <p:to>
-                                        <p:strVal val="visible"/>
-                                      </p:to>
-                                    </p:set>
-                                  </p:childTnLst>
-                                </p:cTn>
-                              </p:par>
-                            </p:childTnLst>
-                          </p:cTn>
-                        </p:par>
-                      </p:childTnLst>
-                    </p:cTn>
-                  </p:par>
-                  <p:par>
-                    <p:cTn id="7" fill="hold">
-                      <p:stCondLst>
-                        <p:cond delay="indefinite"/>
-                      </p:stCondLst>
-                      <p:childTnLst>
-                        <p:par>
-                          <p:cTn id="8" fill="hold">
-                            <p:stCondLst>
-                              <p:cond delay="0"/>
-                            </p:stCondLst>
-                            <p:childTnLst>
-                              <p:par>
-                                <p:cTn id="9" presetID="1" presetClass="entr" presetSubtype="0" fill="hold" grpId="0" nodeType="clickEffect">
-                                  <p:stCondLst>
-                                    <p:cond delay="0"/>
-                                  </p:stCondLst>
-                                  <p:childTnLst>
-                                    <p:set>
-                                      <p:cBhvr>
-                                        <p:cTn id="10" dur="1" fill="hold">
-                                          <p:stCondLst>
-                                            <p:cond delay="0"/>
-                                          </p:stCondLst>
-                                        </p:cTn>
-                                        <p:tgtEl>
-                                          <p:spTgt spid="3">
-                                            <p:txEl>
-                                              <p:pRg st="2" end="2"/>
-                                            </p:txEl>
-                                          </p:spTgt>
-                                        </p:tgtEl>
-                                        <p:attrNameLst>
-                                          <p:attrName>style.visibility</p:attrName>
-                                        </p:attrNameLst>
-                                      </p:cBhvr>
-                                      <p:to>
-                                        <p:strVal val="visible"/>
-                                      </p:to>
-                                    </p:set>
-                                  </p:childTnLst>
-                                </p:cTn>
-                              </p:par>
-                            </p:childTnLst>
-                          </p:cTn>
-                        </p:par>
-                      </p:childTnLst>
-                    </p:cTn>
-                  </p:par>
-                  <p:par>
-                    <p:cTn id="11" fill="hold">
-                      <p:stCondLst>
-                        <p:cond delay="indefinite"/>
-                      </p:stCondLst>
-                      <p:childTnLst>
-                        <p:par>
-                          <p:cTn id="12" fill="hold">
-                            <p:stCondLst>
-                              <p:cond delay="0"/>
-                            </p:stCondLst>
-                            <p:childTnLst>
-                              <p:par>
-                                <p:cTn id="13" presetID="1" presetClass="entr" presetSubtype="0" fill="hold" grpId="0" nodeType="clickEffect">
-                                  <p:stCondLst>
-                                    <p:cond delay="0"/>
-                                  </p:stCondLst>
-                                  <p:childTnLst>
-                                    <p:set>
-                                      <p:cBhvr>
-                                        <p:cTn id="14" dur="1" fill="hold">
-                                          <p:stCondLst>
-                                            <p:cond delay="0"/>
-                                          </p:stCondLst>
-                                        </p:cTn>
-                                        <p:tgtEl>
-                                          <p:spTgt spid="3">
-                                            <p:txEl>
-                                              <p:pRg st="3" end="3"/>
-                                            </p:txEl>
-                                          </p:spTgt>
-                                        </p:tgtEl>
-                                        <p:attrNameLst>
-                                          <p:attrName>style.visibility</p:attrName>
-                                        </p:attrNameLst>
-                                      </p:cBhvr>
-                                      <p:to>
-                                        <p:strVal val="visible"/>
-                                      </p:to>
-                                    </p:set>
-                                  </p:childTnLst>
-                                </p:cTn>
-                              </p:par>
-                            </p:childTnLst>
-                          </p:cTn>
-                        </p:par>
-                      </p:childTnLst>
-                    </p:cTn>
-                  </p:par>
-                </p:childTnLst>
-              </p:cTn>
-              <p:prevCondLst>
-                <p:cond evt="onPrev" delay="0">
-                  <p:tgtEl>
-                    <p:sldTgt/>
-                  </p:tgtEl>
-                </p:cond>
-              </p:prevCondLst>
-              <p:nextCondLst>
-                <p:cond evt="onNext" delay="0">
-                  <p:tgtEl>
-                    <p:sldTgt/>
-                  </p:tgtEl>
-                </p:cond>
-              </p:nextCondLst>
-            </p:seq>
-          </p:childTnLst>
-        </p:cTn>
-      </p:par>
-    </p:tnLst>
-    <p:bldLst>
-      <p:bldP spid="3" grpId="0" uiExpand="1" build="p"/>
-    </p:bldLst>
   </p:timing>
 </p:sld>
 </file>
@@ -8832,6 +9238,407 @@
 </p:sld>
 </file>
 
+<file path=ppt/slides/slide20.xml><?xml version="1.0" encoding="utf-8"?>
+<p:sld xmlns:a="http://schemas.openxmlformats.org/drawingml/2006/main" xmlns:r="http://schemas.openxmlformats.org/officeDocument/2006/relationships" xmlns:p="http://schemas.openxmlformats.org/presentationml/2006/main">
+  <p:cSld>
+    <p:spTree>
+      <p:nvGrpSpPr>
+        <p:cNvPr id="1" name=""/>
+        <p:cNvGrpSpPr/>
+        <p:nvPr/>
+      </p:nvGrpSpPr>
+      <p:grpSpPr>
+        <a:xfrm>
+          <a:off x="0" y="0"/>
+          <a:ext cx="0" cy="0"/>
+          <a:chOff x="0" y="0"/>
+          <a:chExt cx="0" cy="0"/>
+        </a:xfrm>
+      </p:grpSpPr>
+      <p:sp>
+        <p:nvSpPr>
+          <p:cNvPr id="2" name="Title 1"/>
+          <p:cNvSpPr>
+            <a:spLocks noGrp="1"/>
+          </p:cNvSpPr>
+          <p:nvPr>
+            <p:ph type="title"/>
+          </p:nvPr>
+        </p:nvSpPr>
+        <p:spPr/>
+        <p:txBody>
+          <a:bodyPr/>
+          <a:lstStyle/>
+          <a:p>
+            <a:r>
+              <a:rPr lang="en-US" dirty="0" smtClean="0"/>
+              <a:t>MPA </a:t>
+            </a:r>
+            <a:r>
+              <a:rPr lang="en-US" dirty="0"/>
+              <a:t>– </a:t>
+            </a:r>
+            <a:r>
+              <a:rPr lang="en-US" dirty="0" smtClean="0"/>
+              <a:t>Critiques</a:t>
+            </a:r>
+            <a:endParaRPr lang="en-US" dirty="0"/>
+          </a:p>
+        </p:txBody>
+      </p:sp>
+      <p:sp>
+        <p:nvSpPr>
+          <p:cNvPr id="3" name="Content Placeholder 2"/>
+          <p:cNvSpPr>
+            <a:spLocks noGrp="1"/>
+          </p:cNvSpPr>
+          <p:nvPr>
+            <p:ph idx="1"/>
+          </p:nvPr>
+        </p:nvSpPr>
+        <p:spPr>
+          <a:xfrm>
+            <a:off x="152400" y="1143000"/>
+            <a:ext cx="8991600" cy="5334000"/>
+          </a:xfrm>
+        </p:spPr>
+        <p:txBody>
+          <a:bodyPr/>
+          <a:lstStyle/>
+          <a:p>
+            <a:r>
+              <a:rPr lang="en-US" dirty="0" smtClean="0"/>
+              <a:t>Displaced fishers.</a:t>
+            </a:r>
+          </a:p>
+          <a:p>
+            <a:r>
+              <a:rPr lang="en-US" dirty="0" smtClean="0"/>
+              <a:t>Shift fishing pressure to other locations (usually poorer areas).</a:t>
+            </a:r>
+          </a:p>
+          <a:p>
+            <a:r>
+              <a:rPr lang="en-US" dirty="0" smtClean="0"/>
+              <a:t>Attracts fishers (net increase in fishing mortality if enforcement is weak).</a:t>
+            </a:r>
+          </a:p>
+          <a:p>
+            <a:r>
+              <a:rPr lang="en-US" dirty="0" smtClean="0"/>
+              <a:t>High costs (of maintenance and enforcement).</a:t>
+            </a:r>
+          </a:p>
+          <a:p>
+            <a:endParaRPr lang="en-US" dirty="0"/>
+          </a:p>
+          <a:p>
+            <a:r>
+              <a:rPr lang="en-US" dirty="0" smtClean="0"/>
+              <a:t>And see </a:t>
+            </a:r>
+            <a:r>
+              <a:rPr lang="en-US" dirty="0" smtClean="0">
+                <a:hlinkClick r:id="rId2"/>
+              </a:rPr>
+              <a:t>cfooduw.org</a:t>
+            </a:r>
+            <a:endParaRPr lang="en-US" dirty="0" smtClean="0"/>
+          </a:p>
+          <a:p>
+            <a:endParaRPr lang="en-US" dirty="0"/>
+          </a:p>
+        </p:txBody>
+      </p:sp>
+      <p:sp>
+        <p:nvSpPr>
+          <p:cNvPr id="4" name="Footer Placeholder 3"/>
+          <p:cNvSpPr>
+            <a:spLocks noGrp="1"/>
+          </p:cNvSpPr>
+          <p:nvPr>
+            <p:ph type="ftr" sz="quarter" idx="10"/>
+          </p:nvPr>
+        </p:nvSpPr>
+        <p:spPr/>
+        <p:txBody>
+          <a:bodyPr/>
+          <a:lstStyle/>
+          <a:p>
+            <a:r>
+              <a:rPr lang="en-US" smtClean="0"/>
+              <a:t>Closures</a:t>
+            </a:r>
+            <a:endParaRPr lang="en-US"/>
+          </a:p>
+        </p:txBody>
+      </p:sp>
+      <p:sp>
+        <p:nvSpPr>
+          <p:cNvPr id="5" name="Slide Number Placeholder 4"/>
+          <p:cNvSpPr>
+            <a:spLocks noGrp="1"/>
+          </p:cNvSpPr>
+          <p:nvPr>
+            <p:ph type="sldNum" sz="quarter" idx="11"/>
+          </p:nvPr>
+        </p:nvSpPr>
+        <p:spPr/>
+        <p:txBody>
+          <a:bodyPr/>
+          <a:lstStyle/>
+          <a:p>
+            <a:fld id="{1885BB51-0796-4632-BDB9-6CE403630838}" type="slidenum">
+              <a:rPr lang="en-US" smtClean="0"/>
+              <a:pPr/>
+              <a:t>20</a:t>
+            </a:fld>
+            <a:endParaRPr lang="en-US"/>
+          </a:p>
+        </p:txBody>
+      </p:sp>
+    </p:spTree>
+    <p:extLst>
+      <p:ext uri="{BB962C8B-B14F-4D97-AF65-F5344CB8AC3E}">
+        <p14:creationId xmlns:p14="http://schemas.microsoft.com/office/powerpoint/2010/main" val="4286506624"/>
+      </p:ext>
+    </p:extLst>
+  </p:cSld>
+  <p:clrMapOvr>
+    <a:masterClrMapping/>
+  </p:clrMapOvr>
+  <p:timing>
+    <p:tnLst>
+      <p:par>
+        <p:cTn id="1" dur="indefinite" restart="never" nodeType="tmRoot">
+          <p:childTnLst>
+            <p:seq concurrent="1" nextAc="seek">
+              <p:cTn id="2" dur="indefinite" nodeType="mainSeq">
+                <p:childTnLst>
+                  <p:par>
+                    <p:cTn id="3" fill="hold">
+                      <p:stCondLst>
+                        <p:cond delay="indefinite"/>
+                      </p:stCondLst>
+                      <p:childTnLst>
+                        <p:par>
+                          <p:cTn id="4" fill="hold">
+                            <p:stCondLst>
+                              <p:cond delay="0"/>
+                            </p:stCondLst>
+                            <p:childTnLst>
+                              <p:par>
+                                <p:cTn id="5" presetID="1" presetClass="entr" presetSubtype="0" fill="hold" grpId="0" nodeType="clickEffect">
+                                  <p:stCondLst>
+                                    <p:cond delay="0"/>
+                                  </p:stCondLst>
+                                  <p:childTnLst>
+                                    <p:set>
+                                      <p:cBhvr>
+                                        <p:cTn id="6" dur="1" fill="hold">
+                                          <p:stCondLst>
+                                            <p:cond delay="0"/>
+                                          </p:stCondLst>
+                                        </p:cTn>
+                                        <p:tgtEl>
+                                          <p:spTgt spid="3">
+                                            <p:txEl>
+                                              <p:pRg st="1" end="1"/>
+                                            </p:txEl>
+                                          </p:spTgt>
+                                        </p:tgtEl>
+                                        <p:attrNameLst>
+                                          <p:attrName>style.visibility</p:attrName>
+                                        </p:attrNameLst>
+                                      </p:cBhvr>
+                                      <p:to>
+                                        <p:strVal val="visible"/>
+                                      </p:to>
+                                    </p:set>
+                                  </p:childTnLst>
+                                </p:cTn>
+                              </p:par>
+                            </p:childTnLst>
+                          </p:cTn>
+                        </p:par>
+                      </p:childTnLst>
+                    </p:cTn>
+                  </p:par>
+                  <p:par>
+                    <p:cTn id="7" fill="hold">
+                      <p:stCondLst>
+                        <p:cond delay="indefinite"/>
+                      </p:stCondLst>
+                      <p:childTnLst>
+                        <p:par>
+                          <p:cTn id="8" fill="hold">
+                            <p:stCondLst>
+                              <p:cond delay="0"/>
+                            </p:stCondLst>
+                            <p:childTnLst>
+                              <p:par>
+                                <p:cTn id="9" presetID="1" presetClass="entr" presetSubtype="0" fill="hold" grpId="0" nodeType="clickEffect">
+                                  <p:stCondLst>
+                                    <p:cond delay="0"/>
+                                  </p:stCondLst>
+                                  <p:childTnLst>
+                                    <p:set>
+                                      <p:cBhvr>
+                                        <p:cTn id="10" dur="1" fill="hold">
+                                          <p:stCondLst>
+                                            <p:cond delay="0"/>
+                                          </p:stCondLst>
+                                        </p:cTn>
+                                        <p:tgtEl>
+                                          <p:spTgt spid="3">
+                                            <p:txEl>
+                                              <p:pRg st="2" end="2"/>
+                                            </p:txEl>
+                                          </p:spTgt>
+                                        </p:tgtEl>
+                                        <p:attrNameLst>
+                                          <p:attrName>style.visibility</p:attrName>
+                                        </p:attrNameLst>
+                                      </p:cBhvr>
+                                      <p:to>
+                                        <p:strVal val="visible"/>
+                                      </p:to>
+                                    </p:set>
+                                  </p:childTnLst>
+                                </p:cTn>
+                              </p:par>
+                            </p:childTnLst>
+                          </p:cTn>
+                        </p:par>
+                      </p:childTnLst>
+                    </p:cTn>
+                  </p:par>
+                  <p:par>
+                    <p:cTn id="11" fill="hold">
+                      <p:stCondLst>
+                        <p:cond delay="indefinite"/>
+                      </p:stCondLst>
+                      <p:childTnLst>
+                        <p:par>
+                          <p:cTn id="12" fill="hold">
+                            <p:stCondLst>
+                              <p:cond delay="0"/>
+                            </p:stCondLst>
+                            <p:childTnLst>
+                              <p:par>
+                                <p:cTn id="13" presetID="1" presetClass="entr" presetSubtype="0" fill="hold" grpId="0" nodeType="clickEffect">
+                                  <p:stCondLst>
+                                    <p:cond delay="0"/>
+                                  </p:stCondLst>
+                                  <p:childTnLst>
+                                    <p:set>
+                                      <p:cBhvr>
+                                        <p:cTn id="14" dur="1" fill="hold">
+                                          <p:stCondLst>
+                                            <p:cond delay="0"/>
+                                          </p:stCondLst>
+                                        </p:cTn>
+                                        <p:tgtEl>
+                                          <p:spTgt spid="3">
+                                            <p:txEl>
+                                              <p:pRg st="3" end="3"/>
+                                            </p:txEl>
+                                          </p:spTgt>
+                                        </p:tgtEl>
+                                        <p:attrNameLst>
+                                          <p:attrName>style.visibility</p:attrName>
+                                        </p:attrNameLst>
+                                      </p:cBhvr>
+                                      <p:to>
+                                        <p:strVal val="visible"/>
+                                      </p:to>
+                                    </p:set>
+                                  </p:childTnLst>
+                                </p:cTn>
+                              </p:par>
+                            </p:childTnLst>
+                          </p:cTn>
+                        </p:par>
+                      </p:childTnLst>
+                    </p:cTn>
+                  </p:par>
+                  <p:par>
+                    <p:cTn id="15" fill="hold">
+                      <p:stCondLst>
+                        <p:cond delay="indefinite"/>
+                      </p:stCondLst>
+                      <p:childTnLst>
+                        <p:par>
+                          <p:cTn id="16" fill="hold">
+                            <p:stCondLst>
+                              <p:cond delay="0"/>
+                            </p:stCondLst>
+                            <p:childTnLst>
+                              <p:par>
+                                <p:cTn id="17" presetID="1" presetClass="entr" presetSubtype="0" fill="hold" grpId="0" nodeType="clickEffect">
+                                  <p:stCondLst>
+                                    <p:cond delay="0"/>
+                                  </p:stCondLst>
+                                  <p:childTnLst>
+                                    <p:set>
+                                      <p:cBhvr>
+                                        <p:cTn id="18" dur="1" fill="hold">
+                                          <p:stCondLst>
+                                            <p:cond delay="0"/>
+                                          </p:stCondLst>
+                                        </p:cTn>
+                                        <p:tgtEl>
+                                          <p:spTgt spid="3">
+                                            <p:txEl>
+                                              <p:pRg st="5" end="5"/>
+                                            </p:txEl>
+                                          </p:spTgt>
+                                        </p:tgtEl>
+                                        <p:attrNameLst>
+                                          <p:attrName>style.visibility</p:attrName>
+                                        </p:attrNameLst>
+                                      </p:cBhvr>
+                                      <p:to>
+                                        <p:strVal val="visible"/>
+                                      </p:to>
+                                    </p:set>
+                                  </p:childTnLst>
+                                </p:cTn>
+                              </p:par>
+                            </p:childTnLst>
+                          </p:cTn>
+                        </p:par>
+                      </p:childTnLst>
+                    </p:cTn>
+                  </p:par>
+                </p:childTnLst>
+              </p:cTn>
+              <p:prevCondLst>
+                <p:cond evt="onPrev" delay="0">
+                  <p:tgtEl>
+                    <p:sldTgt/>
+                  </p:tgtEl>
+                </p:cond>
+              </p:prevCondLst>
+              <p:nextCondLst>
+                <p:cond evt="onNext" delay="0">
+                  <p:tgtEl>
+                    <p:sldTgt/>
+                  </p:tgtEl>
+                </p:cond>
+              </p:nextCondLst>
+            </p:seq>
+          </p:childTnLst>
+        </p:cTn>
+      </p:par>
+    </p:tnLst>
+    <p:bldLst>
+      <p:bldP spid="3" grpId="0" uiExpand="1" build="p"/>
+    </p:bldLst>
+  </p:timing>
+</p:sld>
+</file>
+
 <file path=ppt/slides/slide3.xml><?xml version="1.0" encoding="utf-8"?>
 <p:sld xmlns:a="http://schemas.openxmlformats.org/drawingml/2006/main" xmlns:r="http://schemas.openxmlformats.org/officeDocument/2006/relationships" xmlns:p="http://schemas.openxmlformats.org/presentationml/2006/main">
   <p:cSld>
@@ -9615,103 +10422,7 @@
           <a:p>
             <a:r>
               <a:rPr lang="en-US" dirty="0" smtClean="0"/>
-              <a:t>MPAs </a:t>
-            </a:r>
-            <a:r>
-              <a:rPr lang="en-US" dirty="0"/>
-              <a:t>–</a:t>
-            </a:r>
-            <a:r>
-              <a:rPr lang="en-US" dirty="0" smtClean="0"/>
-              <a:t> Objectives</a:t>
-            </a:r>
-            <a:endParaRPr lang="en-US" dirty="0"/>
-          </a:p>
-        </p:txBody>
-      </p:sp>
-      <p:sp>
-        <p:nvSpPr>
-          <p:cNvPr id="3" name="Content Placeholder 2"/>
-          <p:cNvSpPr>
-            <a:spLocks noGrp="1"/>
-          </p:cNvSpPr>
-          <p:nvPr>
-            <p:ph idx="1"/>
-          </p:nvPr>
-        </p:nvSpPr>
-        <p:spPr/>
-        <p:txBody>
-          <a:bodyPr/>
-          <a:lstStyle/>
-          <a:p>
-            <a:r>
-              <a:rPr lang="en-US" b="1" dirty="0" smtClean="0"/>
-              <a:t>“Harvest </a:t>
-            </a:r>
-            <a:r>
-              <a:rPr lang="en-US" b="1" dirty="0" err="1" smtClean="0"/>
-              <a:t>Refugia</a:t>
-            </a:r>
-            <a:r>
-              <a:rPr lang="en-US" b="1" dirty="0" smtClean="0"/>
-              <a:t>” </a:t>
-            </a:r>
-            <a:r>
-              <a:rPr lang="en-US" dirty="0" smtClean="0"/>
-              <a:t>(for exploited species)</a:t>
-            </a:r>
-          </a:p>
-          <a:p>
-            <a:pPr lvl="1"/>
-            <a:r>
-              <a:rPr lang="en-US" dirty="0" smtClean="0"/>
-              <a:t>Increase fish stocks within boundaries</a:t>
-            </a:r>
-          </a:p>
-          <a:p>
-            <a:pPr lvl="1"/>
-            <a:r>
-              <a:rPr lang="en-US" dirty="0" smtClean="0"/>
-              <a:t>Provide adult spill-over into fished areas</a:t>
-            </a:r>
-          </a:p>
-          <a:p>
-            <a:pPr lvl="1"/>
-            <a:r>
-              <a:rPr lang="en-US" dirty="0" smtClean="0"/>
-              <a:t>Provide a source of recruits to fished areas</a:t>
-            </a:r>
-          </a:p>
-          <a:p>
-            <a:pPr lvl="1"/>
-            <a:endParaRPr lang="en-US" dirty="0"/>
-          </a:p>
-          <a:p>
-            <a:r>
-              <a:rPr lang="en-US" b="1" dirty="0" smtClean="0"/>
-              <a:t>“Conservation of Biodiversity”</a:t>
-            </a:r>
-            <a:endParaRPr lang="en-US" dirty="0" smtClean="0"/>
-          </a:p>
-          <a:p>
-            <a:pPr lvl="1"/>
-            <a:r>
-              <a:rPr lang="en-US" dirty="0" smtClean="0"/>
-              <a:t>Maximize numbers of species and habitats</a:t>
-            </a:r>
-          </a:p>
-          <a:p>
-            <a:pPr lvl="1"/>
-            <a:r>
-              <a:rPr lang="en-US" dirty="0" smtClean="0"/>
-              <a:t>Protect threatened species and habitats</a:t>
-            </a:r>
-          </a:p>
-          <a:p>
-            <a:pPr lvl="1"/>
-            <a:r>
-              <a:rPr lang="en-US" dirty="0" smtClean="0"/>
-              <a:t>Provide resilience to habitat degradation</a:t>
+              <a:t>Marine Protected Areas (MPAs)</a:t>
             </a:r>
             <a:endParaRPr lang="en-US" dirty="0"/>
           </a:p>
@@ -9759,6 +10470,250 @@
               <a:rPr lang="en-US" smtClean="0"/>
               <a:pPr/>
               <a:t>7</a:t>
+            </a:fld>
+            <a:endParaRPr lang="en-US"/>
+          </a:p>
+        </p:txBody>
+      </p:sp>
+      <p:pic>
+        <p:nvPicPr>
+          <p:cNvPr id="1026" name="Picture 2" descr="http://depts.washington.edu/cfood/wordpress/wp-content/uploads/2015/10/james-cowan1.png"/>
+          <p:cNvPicPr>
+            <a:picLocks noChangeAspect="1" noChangeArrowheads="1"/>
+          </p:cNvPicPr>
+          <p:nvPr/>
+        </p:nvPicPr>
+        <p:blipFill>
+          <a:blip r:embed="rId3">
+            <a:extLst>
+              <a:ext uri="{28A0092B-C50C-407E-A947-70E740481C1C}">
+                <a14:useLocalDpi xmlns:a14="http://schemas.microsoft.com/office/drawing/2010/main" val="0"/>
+              </a:ext>
+            </a:extLst>
+          </a:blip>
+          <a:srcRect/>
+          <a:stretch>
+            <a:fillRect/>
+          </a:stretch>
+        </p:blipFill>
+        <p:spPr bwMode="auto">
+          <a:xfrm>
+            <a:off x="969325" y="977096"/>
+            <a:ext cx="7203762" cy="5559425"/>
+          </a:xfrm>
+          <a:prstGeom prst="rect">
+            <a:avLst/>
+          </a:prstGeom>
+          <a:noFill/>
+          <a:extLst>
+            <a:ext uri="{909E8E84-426E-40DD-AFC4-6F175D3DCCD1}">
+              <a14:hiddenFill xmlns:a14="http://schemas.microsoft.com/office/drawing/2010/main">
+                <a:solidFill>
+                  <a:srgbClr val="FFFFFF"/>
+                </a:solidFill>
+              </a14:hiddenFill>
+            </a:ext>
+          </a:extLst>
+        </p:spPr>
+      </p:pic>
+    </p:spTree>
+    <p:extLst>
+      <p:ext uri="{BB962C8B-B14F-4D97-AF65-F5344CB8AC3E}">
+        <p14:creationId xmlns:p14="http://schemas.microsoft.com/office/powerpoint/2010/main" val="3776727045"/>
+      </p:ext>
+    </p:extLst>
+  </p:cSld>
+  <p:clrMapOvr>
+    <a:masterClrMapping/>
+  </p:clrMapOvr>
+  <p:timing>
+    <p:tnLst>
+      <p:par>
+        <p:cTn id="1" dur="indefinite" restart="never" nodeType="tmRoot"/>
+      </p:par>
+    </p:tnLst>
+  </p:timing>
+</p:sld>
+</file>
+
+<file path=ppt/slides/slide8.xml><?xml version="1.0" encoding="utf-8"?>
+<p:sld xmlns:a="http://schemas.openxmlformats.org/drawingml/2006/main" xmlns:r="http://schemas.openxmlformats.org/officeDocument/2006/relationships" xmlns:p="http://schemas.openxmlformats.org/presentationml/2006/main">
+  <p:cSld>
+    <p:spTree>
+      <p:nvGrpSpPr>
+        <p:cNvPr id="1" name=""/>
+        <p:cNvGrpSpPr/>
+        <p:nvPr/>
+      </p:nvGrpSpPr>
+      <p:grpSpPr>
+        <a:xfrm>
+          <a:off x="0" y="0"/>
+          <a:ext cx="0" cy="0"/>
+          <a:chOff x="0" y="0"/>
+          <a:chExt cx="0" cy="0"/>
+        </a:xfrm>
+      </p:grpSpPr>
+      <p:sp>
+        <p:nvSpPr>
+          <p:cNvPr id="2" name="Title 1"/>
+          <p:cNvSpPr>
+            <a:spLocks noGrp="1"/>
+          </p:cNvSpPr>
+          <p:nvPr>
+            <p:ph type="title"/>
+          </p:nvPr>
+        </p:nvSpPr>
+        <p:spPr/>
+        <p:txBody>
+          <a:bodyPr/>
+          <a:lstStyle/>
+          <a:p>
+            <a:r>
+              <a:rPr lang="en-US" dirty="0" smtClean="0"/>
+              <a:t>MPAs </a:t>
+            </a:r>
+            <a:r>
+              <a:rPr lang="en-US" dirty="0"/>
+              <a:t>–</a:t>
+            </a:r>
+            <a:r>
+              <a:rPr lang="en-US" dirty="0" smtClean="0"/>
+              <a:t> Objectives</a:t>
+            </a:r>
+            <a:endParaRPr lang="en-US" dirty="0"/>
+          </a:p>
+        </p:txBody>
+      </p:sp>
+      <p:sp>
+        <p:nvSpPr>
+          <p:cNvPr id="3" name="Content Placeholder 2"/>
+          <p:cNvSpPr>
+            <a:spLocks noGrp="1"/>
+          </p:cNvSpPr>
+          <p:nvPr>
+            <p:ph idx="1"/>
+          </p:nvPr>
+        </p:nvSpPr>
+        <p:spPr/>
+        <p:txBody>
+          <a:bodyPr/>
+          <a:lstStyle/>
+          <a:p>
+            <a:r>
+              <a:rPr lang="en-US" b="1" dirty="0" smtClean="0"/>
+              <a:t>“Harvest </a:t>
+            </a:r>
+            <a:r>
+              <a:rPr lang="en-US" b="1" dirty="0" err="1" smtClean="0"/>
+              <a:t>Refugia</a:t>
+            </a:r>
+            <a:r>
+              <a:rPr lang="en-US" b="1" dirty="0" smtClean="0"/>
+              <a:t>” </a:t>
+            </a:r>
+            <a:r>
+              <a:rPr lang="en-US" dirty="0" smtClean="0"/>
+              <a:t>(for exploited species)</a:t>
+            </a:r>
+          </a:p>
+          <a:p>
+            <a:pPr lvl="1"/>
+            <a:r>
+              <a:rPr lang="en-US" dirty="0" smtClean="0"/>
+              <a:t>Increase fish stocks within boundaries</a:t>
+            </a:r>
+          </a:p>
+          <a:p>
+            <a:pPr lvl="1"/>
+            <a:r>
+              <a:rPr lang="en-US" dirty="0" smtClean="0"/>
+              <a:t>Provide adult spill-over into fished areas</a:t>
+            </a:r>
+          </a:p>
+          <a:p>
+            <a:pPr lvl="1"/>
+            <a:r>
+              <a:rPr lang="en-US" dirty="0" smtClean="0"/>
+              <a:t>Provide a source of recruits to fished areas</a:t>
+            </a:r>
+          </a:p>
+          <a:p>
+            <a:pPr lvl="1"/>
+            <a:endParaRPr lang="en-US" dirty="0"/>
+          </a:p>
+          <a:p>
+            <a:r>
+              <a:rPr lang="en-US" b="1" dirty="0" smtClean="0"/>
+              <a:t>“Conservation of Biodiversity”</a:t>
+            </a:r>
+            <a:endParaRPr lang="en-US" dirty="0" smtClean="0"/>
+          </a:p>
+          <a:p>
+            <a:pPr lvl="1"/>
+            <a:r>
+              <a:rPr lang="en-US" dirty="0" smtClean="0"/>
+              <a:t>Maximize numbers of species and habitats</a:t>
+            </a:r>
+          </a:p>
+          <a:p>
+            <a:pPr lvl="1"/>
+            <a:r>
+              <a:rPr lang="en-US" dirty="0" smtClean="0"/>
+              <a:t>Protect threatened species and habitats</a:t>
+            </a:r>
+          </a:p>
+          <a:p>
+            <a:pPr lvl="1"/>
+            <a:r>
+              <a:rPr lang="en-US" dirty="0" smtClean="0"/>
+              <a:t>Provide resilience to habitat degradation</a:t>
+            </a:r>
+            <a:endParaRPr lang="en-US" dirty="0"/>
+          </a:p>
+        </p:txBody>
+      </p:sp>
+      <p:sp>
+        <p:nvSpPr>
+          <p:cNvPr id="4" name="Footer Placeholder 3"/>
+          <p:cNvSpPr>
+            <a:spLocks noGrp="1"/>
+          </p:cNvSpPr>
+          <p:nvPr>
+            <p:ph type="ftr" sz="quarter" idx="10"/>
+          </p:nvPr>
+        </p:nvSpPr>
+        <p:spPr/>
+        <p:txBody>
+          <a:bodyPr/>
+          <a:lstStyle/>
+          <a:p>
+            <a:r>
+              <a:rPr lang="en-US" smtClean="0"/>
+              <a:t>Closures</a:t>
+            </a:r>
+            <a:endParaRPr lang="en-US"/>
+          </a:p>
+        </p:txBody>
+      </p:sp>
+      <p:sp>
+        <p:nvSpPr>
+          <p:cNvPr id="5" name="Slide Number Placeholder 4"/>
+          <p:cNvSpPr>
+            <a:spLocks noGrp="1"/>
+          </p:cNvSpPr>
+          <p:nvPr>
+            <p:ph type="sldNum" sz="quarter" idx="11"/>
+          </p:nvPr>
+        </p:nvSpPr>
+        <p:spPr/>
+        <p:txBody>
+          <a:bodyPr/>
+          <a:lstStyle/>
+          <a:p>
+            <a:fld id="{1885BB51-0796-4632-BDB9-6CE403630838}" type="slidenum">
+              <a:rPr lang="en-US" smtClean="0"/>
+              <a:pPr/>
+              <a:t>8</a:t>
             </a:fld>
             <a:endParaRPr lang="en-US"/>
           </a:p>
@@ -9952,7 +10907,7 @@
 </p:sld>
 </file>
 
-<file path=ppt/slides/slide8.xml><?xml version="1.0" encoding="utf-8"?>
+<file path=ppt/slides/slide9.xml><?xml version="1.0" encoding="utf-8"?>
 <p:sld xmlns:a="http://schemas.openxmlformats.org/drawingml/2006/main" xmlns:r="http://schemas.openxmlformats.org/officeDocument/2006/relationships" xmlns:p="http://schemas.openxmlformats.org/presentationml/2006/main">
   <p:cSld>
     <p:spTree>
@@ -10009,7 +10964,7 @@
           <a:p>
             <a:r>
               <a:rPr lang="en-US" dirty="0" smtClean="0">
-                <a:hlinkClick r:id="rId2"/>
+                <a:hlinkClick r:id="rId3"/>
               </a:rPr>
               <a:t>Great Barrier Reef</a:t>
             </a:r>
@@ -10021,7 +10976,7 @@
           <a:p>
             <a:r>
               <a:rPr lang="en-US" dirty="0" smtClean="0">
-                <a:hlinkClick r:id="rId3"/>
+                <a:hlinkClick r:id="rId4"/>
               </a:rPr>
               <a:t>Papua New Guinea</a:t>
             </a:r>
@@ -10070,7 +11025,7 @@
             <a:fld id="{1885BB51-0796-4632-BDB9-6CE403630838}" type="slidenum">
               <a:rPr lang="en-US" smtClean="0"/>
               <a:pPr/>
-              <a:t>8</a:t>
+              <a:t>9</a:t>
             </a:fld>
             <a:endParaRPr lang="en-US"/>
           </a:p>
@@ -10123,586 +11078,6 @@
                                           <p:spTgt spid="3">
                                             <p:txEl>
                                               <p:pRg st="2" end="2"/>
-                                            </p:txEl>
-                                          </p:spTgt>
-                                        </p:tgtEl>
-                                        <p:attrNameLst>
-                                          <p:attrName>style.visibility</p:attrName>
-                                        </p:attrNameLst>
-                                      </p:cBhvr>
-                                      <p:to>
-                                        <p:strVal val="visible"/>
-                                      </p:to>
-                                    </p:set>
-                                  </p:childTnLst>
-                                </p:cTn>
-                              </p:par>
-                            </p:childTnLst>
-                          </p:cTn>
-                        </p:par>
-                      </p:childTnLst>
-                    </p:cTn>
-                  </p:par>
-                </p:childTnLst>
-              </p:cTn>
-              <p:prevCondLst>
-                <p:cond evt="onPrev" delay="0">
-                  <p:tgtEl>
-                    <p:sldTgt/>
-                  </p:tgtEl>
-                </p:cond>
-              </p:prevCondLst>
-              <p:nextCondLst>
-                <p:cond evt="onNext" delay="0">
-                  <p:tgtEl>
-                    <p:sldTgt/>
-                  </p:tgtEl>
-                </p:cond>
-              </p:nextCondLst>
-            </p:seq>
-          </p:childTnLst>
-        </p:cTn>
-      </p:par>
-    </p:tnLst>
-    <p:bldLst>
-      <p:bldP spid="3" grpId="0" uiExpand="1" build="p"/>
-    </p:bldLst>
-  </p:timing>
-</p:sld>
-</file>
-
-<file path=ppt/slides/slide9.xml><?xml version="1.0" encoding="utf-8"?>
-<p:sld xmlns:a="http://schemas.openxmlformats.org/drawingml/2006/main" xmlns:r="http://schemas.openxmlformats.org/officeDocument/2006/relationships" xmlns:p="http://schemas.openxmlformats.org/presentationml/2006/main">
-  <p:cSld>
-    <p:spTree>
-      <p:nvGrpSpPr>
-        <p:cNvPr id="1" name=""/>
-        <p:cNvGrpSpPr/>
-        <p:nvPr/>
-      </p:nvGrpSpPr>
-      <p:grpSpPr>
-        <a:xfrm>
-          <a:off x="0" y="0"/>
-          <a:ext cx="0" cy="0"/>
-          <a:chOff x="0" y="0"/>
-          <a:chExt cx="0" cy="0"/>
-        </a:xfrm>
-      </p:grpSpPr>
-      <p:sp>
-        <p:nvSpPr>
-          <p:cNvPr id="2" name="Title 1"/>
-          <p:cNvSpPr>
-            <a:spLocks noGrp="1"/>
-          </p:cNvSpPr>
-          <p:nvPr>
-            <p:ph type="title"/>
-          </p:nvPr>
-        </p:nvSpPr>
-        <p:spPr/>
-        <p:txBody>
-          <a:bodyPr/>
-          <a:lstStyle/>
-          <a:p>
-            <a:r>
-              <a:rPr lang="en-US" dirty="0" smtClean="0"/>
-              <a:t>MPA – Needs for Success</a:t>
-            </a:r>
-            <a:endParaRPr lang="en-US" dirty="0"/>
-          </a:p>
-        </p:txBody>
-      </p:sp>
-      <p:sp>
-        <p:nvSpPr>
-          <p:cNvPr id="3" name="Content Placeholder 2"/>
-          <p:cNvSpPr>
-            <a:spLocks noGrp="1"/>
-          </p:cNvSpPr>
-          <p:nvPr>
-            <p:ph idx="1"/>
-          </p:nvPr>
-        </p:nvSpPr>
-        <p:spPr>
-          <a:xfrm>
-            <a:off x="65089" y="2514600"/>
-            <a:ext cx="9012236" cy="3581400"/>
-          </a:xfrm>
-        </p:spPr>
-        <p:txBody>
-          <a:bodyPr/>
-          <a:lstStyle/>
-          <a:p>
-            <a:pPr marL="514350" indent="-514350">
-              <a:buFont typeface="+mj-lt"/>
-              <a:buAutoNum type="arabicPeriod"/>
-            </a:pPr>
-            <a:r>
-              <a:rPr lang="en-US" dirty="0" smtClean="0"/>
-              <a:t>“</a:t>
-            </a:r>
-            <a:r>
-              <a:rPr lang="en-US" b="1" dirty="0" smtClean="0">
-                <a:solidFill>
-                  <a:srgbClr val="FF0000"/>
-                </a:solidFill>
-              </a:rPr>
-              <a:t>N</a:t>
-            </a:r>
-            <a:r>
-              <a:rPr lang="en-US" b="1" dirty="0" smtClean="0"/>
-              <a:t>o Take</a:t>
-            </a:r>
-            <a:r>
-              <a:rPr lang="en-US" dirty="0" smtClean="0"/>
-              <a:t>” – </a:t>
-            </a:r>
-            <a:r>
-              <a:rPr lang="en-US" i="1" dirty="0" smtClean="0"/>
-              <a:t>low fishing mortality</a:t>
-            </a:r>
-          </a:p>
-          <a:p>
-            <a:pPr marL="514350" indent="-514350">
-              <a:buFont typeface="+mj-lt"/>
-              <a:buAutoNum type="arabicPeriod"/>
-            </a:pPr>
-            <a:r>
-              <a:rPr lang="en-US" dirty="0" smtClean="0"/>
-              <a:t>“</a:t>
-            </a:r>
-            <a:r>
-              <a:rPr lang="en-US" b="1" dirty="0" smtClean="0"/>
-              <a:t>Strong </a:t>
-            </a:r>
-            <a:r>
-              <a:rPr lang="en-US" b="1" dirty="0" smtClean="0">
-                <a:solidFill>
-                  <a:srgbClr val="FF0000"/>
-                </a:solidFill>
-              </a:rPr>
-              <a:t>E</a:t>
-            </a:r>
-            <a:r>
-              <a:rPr lang="en-US" b="1" dirty="0" smtClean="0"/>
-              <a:t>nforcement</a:t>
-            </a:r>
-            <a:r>
-              <a:rPr lang="en-US" dirty="0" smtClean="0"/>
-              <a:t>”</a:t>
-            </a:r>
-          </a:p>
-          <a:p>
-            <a:pPr marL="514350" indent="-514350">
-              <a:buFont typeface="+mj-lt"/>
-              <a:buAutoNum type="arabicPeriod"/>
-            </a:pPr>
-            <a:r>
-              <a:rPr lang="en-US" dirty="0" smtClean="0"/>
-              <a:t>“</a:t>
-            </a:r>
-            <a:r>
-              <a:rPr lang="en-US" b="1" dirty="0" smtClean="0">
-                <a:solidFill>
-                  <a:srgbClr val="FF0000"/>
-                </a:solidFill>
-              </a:rPr>
-              <a:t>O</a:t>
-            </a:r>
-            <a:r>
-              <a:rPr lang="en-US" b="1" dirty="0" smtClean="0"/>
-              <a:t>ld Age of MPA</a:t>
-            </a:r>
-            <a:r>
-              <a:rPr lang="en-US" dirty="0" smtClean="0"/>
-              <a:t>”</a:t>
-            </a:r>
-          </a:p>
-          <a:p>
-            <a:pPr marL="514350" indent="-514350">
-              <a:buFont typeface="+mj-lt"/>
-              <a:buAutoNum type="arabicPeriod"/>
-            </a:pPr>
-            <a:r>
-              <a:rPr lang="en-US" dirty="0" smtClean="0"/>
-              <a:t>“</a:t>
-            </a:r>
-            <a:r>
-              <a:rPr lang="en-US" b="1" dirty="0" smtClean="0">
-                <a:solidFill>
-                  <a:srgbClr val="FF0000"/>
-                </a:solidFill>
-              </a:rPr>
-              <a:t>L</a:t>
-            </a:r>
-            <a:r>
-              <a:rPr lang="en-US" b="1" dirty="0" smtClean="0"/>
-              <a:t>arge Size of MPA</a:t>
-            </a:r>
-            <a:r>
-              <a:rPr lang="en-US" dirty="0" smtClean="0"/>
-              <a:t>”</a:t>
-            </a:r>
-          </a:p>
-          <a:p>
-            <a:pPr marL="514350" indent="-514350">
-              <a:buFont typeface="+mj-lt"/>
-              <a:buAutoNum type="arabicPeriod"/>
-            </a:pPr>
-            <a:r>
-              <a:rPr lang="en-US" dirty="0" smtClean="0"/>
-              <a:t>“</a:t>
-            </a:r>
-            <a:r>
-              <a:rPr lang="en-US" b="1" dirty="0" smtClean="0">
-                <a:solidFill>
-                  <a:srgbClr val="FF0000"/>
-                </a:solidFill>
-              </a:rPr>
-              <a:t>I</a:t>
-            </a:r>
-            <a:r>
-              <a:rPr lang="en-US" b="1" dirty="0" smtClean="0"/>
-              <a:t>solated Habitat</a:t>
-            </a:r>
-            <a:r>
-              <a:rPr lang="en-US" dirty="0" smtClean="0"/>
-              <a:t>” – </a:t>
-            </a:r>
-            <a:r>
-              <a:rPr lang="en-US" i="1" dirty="0" smtClean="0"/>
-              <a:t>different habitats within the MPA and immediately surrounding areas</a:t>
-            </a:r>
-            <a:endParaRPr lang="en-US" dirty="0"/>
-          </a:p>
-        </p:txBody>
-      </p:sp>
-      <p:sp>
-        <p:nvSpPr>
-          <p:cNvPr id="4" name="Footer Placeholder 3"/>
-          <p:cNvSpPr>
-            <a:spLocks noGrp="1"/>
-          </p:cNvSpPr>
-          <p:nvPr>
-            <p:ph type="ftr" sz="quarter" idx="10"/>
-          </p:nvPr>
-        </p:nvSpPr>
-        <p:spPr/>
-        <p:txBody>
-          <a:bodyPr/>
-          <a:lstStyle/>
-          <a:p>
-            <a:r>
-              <a:rPr lang="en-US" smtClean="0"/>
-              <a:t>Closures</a:t>
-            </a:r>
-            <a:endParaRPr lang="en-US"/>
-          </a:p>
-        </p:txBody>
-      </p:sp>
-      <p:sp>
-        <p:nvSpPr>
-          <p:cNvPr id="5" name="Slide Number Placeholder 4"/>
-          <p:cNvSpPr>
-            <a:spLocks noGrp="1"/>
-          </p:cNvSpPr>
-          <p:nvPr>
-            <p:ph type="sldNum" sz="quarter" idx="11"/>
-          </p:nvPr>
-        </p:nvSpPr>
-        <p:spPr/>
-        <p:txBody>
-          <a:bodyPr/>
-          <a:lstStyle/>
-          <a:p>
-            <a:fld id="{1885BB51-0796-4632-BDB9-6CE403630838}" type="slidenum">
-              <a:rPr lang="en-US" smtClean="0"/>
-              <a:pPr/>
-              <a:t>9</a:t>
-            </a:fld>
-            <a:endParaRPr lang="en-US"/>
-          </a:p>
-        </p:txBody>
-      </p:sp>
-      <p:sp>
-        <p:nvSpPr>
-          <p:cNvPr id="6" name="TextBox 5"/>
-          <p:cNvSpPr txBox="1"/>
-          <p:nvPr/>
-        </p:nvSpPr>
-        <p:spPr>
-          <a:xfrm>
-            <a:off x="92520" y="990600"/>
-            <a:ext cx="9051480" cy="1200329"/>
-          </a:xfrm>
-          <a:prstGeom prst="rect">
-            <a:avLst/>
-          </a:prstGeom>
-          <a:noFill/>
-        </p:spPr>
-        <p:txBody>
-          <a:bodyPr wrap="square" rtlCol="0">
-            <a:spAutoFit/>
-          </a:bodyPr>
-          <a:lstStyle/>
-          <a:p>
-            <a:r>
-              <a:rPr lang="en-US" sz="2400" b="0" dirty="0" smtClean="0"/>
-              <a:t>According to Edgar </a:t>
-            </a:r>
-            <a:r>
-              <a:rPr lang="en-US" sz="2400" b="0" i="1" dirty="0" smtClean="0"/>
-              <a:t>et al. </a:t>
-            </a:r>
-            <a:r>
-              <a:rPr lang="en-US" sz="2400" b="0" dirty="0" smtClean="0"/>
-              <a:t>2014.  Global conservation outcomes depend on marine protected areas with five key features.  Nature 506:216-220.</a:t>
-            </a:r>
-            <a:endParaRPr lang="en-US" sz="2400" b="0" dirty="0"/>
-          </a:p>
-        </p:txBody>
-      </p:sp>
-    </p:spTree>
-    <p:extLst>
-      <p:ext uri="{BB962C8B-B14F-4D97-AF65-F5344CB8AC3E}">
-        <p14:creationId xmlns:p14="http://schemas.microsoft.com/office/powerpoint/2010/main" val="2248976743"/>
-      </p:ext>
-    </p:extLst>
-  </p:cSld>
-  <p:clrMapOvr>
-    <a:masterClrMapping/>
-  </p:clrMapOvr>
-  <p:timing>
-    <p:tnLst>
-      <p:par>
-        <p:cTn id="1" dur="indefinite" restart="never" nodeType="tmRoot">
-          <p:childTnLst>
-            <p:seq concurrent="1" nextAc="seek">
-              <p:cTn id="2" dur="indefinite" nodeType="mainSeq">
-                <p:childTnLst>
-                  <p:par>
-                    <p:cTn id="3" fill="hold">
-                      <p:stCondLst>
-                        <p:cond delay="indefinite"/>
-                      </p:stCondLst>
-                      <p:childTnLst>
-                        <p:par>
-                          <p:cTn id="4" fill="hold">
-                            <p:stCondLst>
-                              <p:cond delay="0"/>
-                            </p:stCondLst>
-                            <p:childTnLst>
-                              <p:par>
-                                <p:cTn id="5" presetID="1" presetClass="entr" presetSubtype="0" fill="hold" nodeType="clickEffect">
-                                  <p:stCondLst>
-                                    <p:cond delay="0"/>
-                                  </p:stCondLst>
-                                  <p:childTnLst>
-                                    <p:set>
-                                      <p:cBhvr>
-                                        <p:cTn id="6" dur="1" fill="hold">
-                                          <p:stCondLst>
-                                            <p:cond delay="0"/>
-                                          </p:stCondLst>
-                                        </p:cTn>
-                                        <p:tgtEl>
-                                          <p:spTgt spid="3">
-                                            <p:txEl>
-                                              <p:pRg st="0" end="0"/>
-                                            </p:txEl>
-                                          </p:spTgt>
-                                        </p:tgtEl>
-                                        <p:attrNameLst>
-                                          <p:attrName>style.visibility</p:attrName>
-                                        </p:attrNameLst>
-                                      </p:cBhvr>
-                                      <p:to>
-                                        <p:strVal val="visible"/>
-                                      </p:to>
-                                    </p:set>
-                                  </p:childTnLst>
-                                </p:cTn>
-                              </p:par>
-                            </p:childTnLst>
-                          </p:cTn>
-                        </p:par>
-                      </p:childTnLst>
-                    </p:cTn>
-                  </p:par>
-                  <p:par>
-                    <p:cTn id="7" fill="hold">
-                      <p:stCondLst>
-                        <p:cond delay="indefinite"/>
-                      </p:stCondLst>
-                      <p:childTnLst>
-                        <p:par>
-                          <p:cTn id="8" fill="hold">
-                            <p:stCondLst>
-                              <p:cond delay="0"/>
-                            </p:stCondLst>
-                            <p:childTnLst>
-                              <p:par>
-                                <p:cTn id="9" presetID="1" presetClass="entr" presetSubtype="0" fill="hold" grpId="0" nodeType="clickEffect">
-                                  <p:stCondLst>
-                                    <p:cond delay="0"/>
-                                  </p:stCondLst>
-                                  <p:childTnLst>
-                                    <p:set>
-                                      <p:cBhvr>
-                                        <p:cTn id="10" dur="1" fill="hold">
-                                          <p:stCondLst>
-                                            <p:cond delay="0"/>
-                                          </p:stCondLst>
-                                        </p:cTn>
-                                        <p:tgtEl>
-                                          <p:spTgt spid="3">
-                                            <p:txEl>
-                                              <p:pRg st="1" end="1"/>
-                                            </p:txEl>
-                                          </p:spTgt>
-                                        </p:tgtEl>
-                                        <p:attrNameLst>
-                                          <p:attrName>style.visibility</p:attrName>
-                                        </p:attrNameLst>
-                                      </p:cBhvr>
-                                      <p:to>
-                                        <p:strVal val="visible"/>
-                                      </p:to>
-                                    </p:set>
-                                  </p:childTnLst>
-                                </p:cTn>
-                              </p:par>
-                            </p:childTnLst>
-                          </p:cTn>
-                        </p:par>
-                      </p:childTnLst>
-                    </p:cTn>
-                  </p:par>
-                  <p:par>
-                    <p:cTn id="11" fill="hold">
-                      <p:stCondLst>
-                        <p:cond delay="indefinite"/>
-                      </p:stCondLst>
-                      <p:childTnLst>
-                        <p:par>
-                          <p:cTn id="12" fill="hold">
-                            <p:stCondLst>
-                              <p:cond delay="0"/>
-                            </p:stCondLst>
-                            <p:childTnLst>
-                              <p:par>
-                                <p:cTn id="13" presetID="1" presetClass="entr" presetSubtype="0" fill="hold" grpId="0" nodeType="clickEffect">
-                                  <p:stCondLst>
-                                    <p:cond delay="0"/>
-                                  </p:stCondLst>
-                                  <p:childTnLst>
-                                    <p:set>
-                                      <p:cBhvr>
-                                        <p:cTn id="14" dur="1" fill="hold">
-                                          <p:stCondLst>
-                                            <p:cond delay="0"/>
-                                          </p:stCondLst>
-                                        </p:cTn>
-                                        <p:tgtEl>
-                                          <p:spTgt spid="3">
-                                            <p:txEl>
-                                              <p:pRg st="2" end="2"/>
-                                            </p:txEl>
-                                          </p:spTgt>
-                                        </p:tgtEl>
-                                        <p:attrNameLst>
-                                          <p:attrName>style.visibility</p:attrName>
-                                        </p:attrNameLst>
-                                      </p:cBhvr>
-                                      <p:to>
-                                        <p:strVal val="visible"/>
-                                      </p:to>
-                                    </p:set>
-                                  </p:childTnLst>
-                                </p:cTn>
-                              </p:par>
-                            </p:childTnLst>
-                          </p:cTn>
-                        </p:par>
-                      </p:childTnLst>
-                    </p:cTn>
-                  </p:par>
-                  <p:par>
-                    <p:cTn id="15" fill="hold">
-                      <p:stCondLst>
-                        <p:cond delay="indefinite"/>
-                      </p:stCondLst>
-                      <p:childTnLst>
-                        <p:par>
-                          <p:cTn id="16" fill="hold">
-                            <p:stCondLst>
-                              <p:cond delay="0"/>
-                            </p:stCondLst>
-                            <p:childTnLst>
-                              <p:par>
-                                <p:cTn id="17" presetID="1" presetClass="entr" presetSubtype="0" fill="hold" grpId="0" nodeType="clickEffect">
-                                  <p:stCondLst>
-                                    <p:cond delay="0"/>
-                                  </p:stCondLst>
-                                  <p:childTnLst>
-                                    <p:set>
-                                      <p:cBhvr>
-                                        <p:cTn id="18" dur="1" fill="hold">
-                                          <p:stCondLst>
-                                            <p:cond delay="0"/>
-                                          </p:stCondLst>
-                                        </p:cTn>
-                                        <p:tgtEl>
-                                          <p:spTgt spid="3">
-                                            <p:txEl>
-                                              <p:pRg st="3" end="3"/>
-                                            </p:txEl>
-                                          </p:spTgt>
-                                        </p:tgtEl>
-                                        <p:attrNameLst>
-                                          <p:attrName>style.visibility</p:attrName>
-                                        </p:attrNameLst>
-                                      </p:cBhvr>
-                                      <p:to>
-                                        <p:strVal val="visible"/>
-                                      </p:to>
-                                    </p:set>
-                                  </p:childTnLst>
-                                </p:cTn>
-                              </p:par>
-                            </p:childTnLst>
-                          </p:cTn>
-                        </p:par>
-                      </p:childTnLst>
-                    </p:cTn>
-                  </p:par>
-                  <p:par>
-                    <p:cTn id="19" fill="hold">
-                      <p:stCondLst>
-                        <p:cond delay="indefinite"/>
-                      </p:stCondLst>
-                      <p:childTnLst>
-                        <p:par>
-                          <p:cTn id="20" fill="hold">
-                            <p:stCondLst>
-                              <p:cond delay="0"/>
-                            </p:stCondLst>
-                            <p:childTnLst>
-                              <p:par>
-                                <p:cTn id="21" presetID="1" presetClass="entr" presetSubtype="0" fill="hold" grpId="0" nodeType="clickEffect">
-                                  <p:stCondLst>
-                                    <p:cond delay="0"/>
-                                  </p:stCondLst>
-                                  <p:childTnLst>
-                                    <p:set>
-                                      <p:cBhvr>
-                                        <p:cTn id="22" dur="1" fill="hold">
-                                          <p:stCondLst>
-                                            <p:cond delay="0"/>
-                                          </p:stCondLst>
-                                        </p:cTn>
-                                        <p:tgtEl>
-                                          <p:spTgt spid="3">
-                                            <p:txEl>
-                                              <p:pRg st="4" end="4"/>
                                             </p:txEl>
                                           </p:spTgt>
                                         </p:tgtEl>
